--- a/_book/plot/unnamed-chunk-102-1.pptx
+++ b/_book/plot/unnamed-chunk-102-1.pptx
@@ -3192,8 +3192,8 @@
           </p:nvSpPr>
           <p:spPr>
             <a:xfrm>
-              <a:off x="2023549" y="1590617"/>
-              <a:ext cx="6913543" cy="4048310"/>
+              <a:off x="2217943" y="1809173"/>
+              <a:ext cx="2193323" cy="3464924"/>
             </a:xfrm>
             <a:prstGeom prst="rect">
               <a:avLst/>
@@ -3218,28 +3218,28 @@
           </p:nvSpPr>
           <p:spPr>
             <a:xfrm>
-              <a:off x="3144989" y="1590617"/>
-              <a:ext cx="0" cy="4048310"/>
+              <a:off x="2217943" y="4553198"/>
+              <a:ext cx="2193323" cy="0"/>
             </a:xfrm>
             <a:custGeom>
               <a:avLst/>
               <a:pathLst>
-                <a:path w="0" h="4048310">
+                <a:path w="2193323" h="0">
                   <a:moveTo>
-                    <a:pt x="0" y="4048310"/>
+                    <a:pt x="0" y="0"/>
                   </a:moveTo>
                   <a:lnTo>
-                    <a:pt x="0" y="0"/>
-                  </a:lnTo>
-                  <a:lnTo>
-                    <a:pt x="0" y="0"/>
+                    <a:pt x="2193323" y="0"/>
+                  </a:lnTo>
+                  <a:lnTo>
+                    <a:pt x="2193323" y="0"/>
                   </a:lnTo>
                 </a:path>
               </a:pathLst>
             </a:custGeom>
-            <a:ln w="3387" cap="flat">
+            <a:ln w="6775" cap="flat">
               <a:solidFill>
-                <a:srgbClr val="DEDEDE">
+                <a:srgbClr val="EBEBEB">
                   <a:alpha val="100000"/>
                 </a:srgbClr>
               </a:solidFill>
@@ -3261,28 +3261,28 @@
           </p:nvSpPr>
           <p:spPr>
             <a:xfrm>
-              <a:off x="5387869" y="1590617"/>
-              <a:ext cx="0" cy="4048310"/>
+              <a:off x="2217943" y="3426393"/>
+              <a:ext cx="2193323" cy="0"/>
             </a:xfrm>
             <a:custGeom>
               <a:avLst/>
               <a:pathLst>
-                <a:path w="0" h="4048310">
+                <a:path w="2193323" h="0">
                   <a:moveTo>
-                    <a:pt x="0" y="4048310"/>
+                    <a:pt x="0" y="0"/>
                   </a:moveTo>
                   <a:lnTo>
-                    <a:pt x="0" y="0"/>
-                  </a:lnTo>
-                  <a:lnTo>
-                    <a:pt x="0" y="0"/>
+                    <a:pt x="2193323" y="0"/>
+                  </a:lnTo>
+                  <a:lnTo>
+                    <a:pt x="2193323" y="0"/>
                   </a:lnTo>
                 </a:path>
               </a:pathLst>
             </a:custGeom>
-            <a:ln w="3387" cap="flat">
+            <a:ln w="6775" cap="flat">
               <a:solidFill>
-                <a:srgbClr val="DEDEDE">
+                <a:srgbClr val="EBEBEB">
                   <a:alpha val="100000"/>
                 </a:srgbClr>
               </a:solidFill>
@@ -3304,28 +3304,28 @@
           </p:nvSpPr>
           <p:spPr>
             <a:xfrm>
-              <a:off x="7630749" y="1590617"/>
-              <a:ext cx="0" cy="4048310"/>
+              <a:off x="2217943" y="2299589"/>
+              <a:ext cx="2193323" cy="0"/>
             </a:xfrm>
             <a:custGeom>
               <a:avLst/>
               <a:pathLst>
-                <a:path w="0" h="4048310">
+                <a:path w="2193323" h="0">
                   <a:moveTo>
-                    <a:pt x="0" y="4048310"/>
+                    <a:pt x="0" y="0"/>
                   </a:moveTo>
                   <a:lnTo>
-                    <a:pt x="0" y="0"/>
-                  </a:lnTo>
-                  <a:lnTo>
-                    <a:pt x="0" y="0"/>
+                    <a:pt x="2193323" y="0"/>
+                  </a:lnTo>
+                  <a:lnTo>
+                    <a:pt x="2193323" y="0"/>
                   </a:lnTo>
                 </a:path>
               </a:pathLst>
             </a:custGeom>
-            <a:ln w="3387" cap="flat">
+            <a:ln w="6775" cap="flat">
               <a:solidFill>
-                <a:srgbClr val="DEDEDE">
+                <a:srgbClr val="EBEBEB">
                   <a:alpha val="100000"/>
                 </a:srgbClr>
               </a:solidFill>
@@ -3347,28 +3347,28 @@
           </p:nvSpPr>
           <p:spPr>
             <a:xfrm>
-              <a:off x="2023549" y="5374907"/>
-              <a:ext cx="6913543" cy="0"/>
+              <a:off x="2217943" y="5116600"/>
+              <a:ext cx="2193323" cy="0"/>
             </a:xfrm>
             <a:custGeom>
               <a:avLst/>
               <a:pathLst>
-                <a:path w="6913543" h="0">
+                <a:path w="2193323" h="0">
                   <a:moveTo>
                     <a:pt x="0" y="0"/>
                   </a:moveTo>
                   <a:lnTo>
-                    <a:pt x="6913543" y="0"/>
-                  </a:lnTo>
-                  <a:lnTo>
-                    <a:pt x="6913543" y="0"/>
+                    <a:pt x="2193323" y="0"/>
+                  </a:lnTo>
+                  <a:lnTo>
+                    <a:pt x="2193323" y="0"/>
                   </a:lnTo>
                 </a:path>
               </a:pathLst>
             </a:custGeom>
-            <a:ln w="6775" cap="flat">
+            <a:ln w="13550" cap="flat">
               <a:solidFill>
-                <a:srgbClr val="DEDEDE">
+                <a:srgbClr val="EBEBEB">
                   <a:alpha val="100000"/>
                 </a:srgbClr>
               </a:solidFill>
@@ -3390,28 +3390,28 @@
           </p:nvSpPr>
           <p:spPr>
             <a:xfrm>
-              <a:off x="2023549" y="4934873"/>
-              <a:ext cx="6913543" cy="0"/>
+              <a:off x="2217943" y="3989796"/>
+              <a:ext cx="2193323" cy="0"/>
             </a:xfrm>
             <a:custGeom>
               <a:avLst/>
               <a:pathLst>
-                <a:path w="6913543" h="0">
+                <a:path w="2193323" h="0">
                   <a:moveTo>
                     <a:pt x="0" y="0"/>
                   </a:moveTo>
                   <a:lnTo>
-                    <a:pt x="6913543" y="0"/>
-                  </a:lnTo>
-                  <a:lnTo>
-                    <a:pt x="6913543" y="0"/>
+                    <a:pt x="2193323" y="0"/>
+                  </a:lnTo>
+                  <a:lnTo>
+                    <a:pt x="2193323" y="0"/>
                   </a:lnTo>
                 </a:path>
               </a:pathLst>
             </a:custGeom>
-            <a:ln w="6775" cap="flat">
+            <a:ln w="13550" cap="flat">
               <a:solidFill>
-                <a:srgbClr val="DEDEDE">
+                <a:srgbClr val="EBEBEB">
                   <a:alpha val="100000"/>
                 </a:srgbClr>
               </a:solidFill>
@@ -3433,28 +3433,28 @@
           </p:nvSpPr>
           <p:spPr>
             <a:xfrm>
-              <a:off x="2023549" y="4494840"/>
-              <a:ext cx="6913543" cy="0"/>
+              <a:off x="2217943" y="2862991"/>
+              <a:ext cx="2193323" cy="0"/>
             </a:xfrm>
             <a:custGeom>
               <a:avLst/>
               <a:pathLst>
-                <a:path w="6913543" h="0">
+                <a:path w="2193323" h="0">
                   <a:moveTo>
                     <a:pt x="0" y="0"/>
                   </a:moveTo>
                   <a:lnTo>
-                    <a:pt x="6913543" y="0"/>
-                  </a:lnTo>
-                  <a:lnTo>
-                    <a:pt x="6913543" y="0"/>
+                    <a:pt x="2193323" y="0"/>
+                  </a:lnTo>
+                  <a:lnTo>
+                    <a:pt x="2193323" y="0"/>
                   </a:lnTo>
                 </a:path>
               </a:pathLst>
             </a:custGeom>
-            <a:ln w="6775" cap="flat">
+            <a:ln w="13550" cap="flat">
               <a:solidFill>
-                <a:srgbClr val="DEDEDE">
+                <a:srgbClr val="EBEBEB">
                   <a:alpha val="100000"/>
                 </a:srgbClr>
               </a:solidFill>
@@ -3476,28 +3476,28 @@
           </p:nvSpPr>
           <p:spPr>
             <a:xfrm>
-              <a:off x="2023549" y="4054806"/>
-              <a:ext cx="6913543" cy="0"/>
+              <a:off x="2531275" y="1809173"/>
+              <a:ext cx="0" cy="3464924"/>
             </a:xfrm>
             <a:custGeom>
               <a:avLst/>
               <a:pathLst>
-                <a:path w="6913543" h="0">
+                <a:path w="0" h="3464924">
                   <a:moveTo>
+                    <a:pt x="0" y="3464924"/>
+                  </a:moveTo>
+                  <a:lnTo>
                     <a:pt x="0" y="0"/>
-                  </a:moveTo>
-                  <a:lnTo>
-                    <a:pt x="6913543" y="0"/>
-                  </a:lnTo>
-                  <a:lnTo>
-                    <a:pt x="6913543" y="0"/>
+                  </a:lnTo>
+                  <a:lnTo>
+                    <a:pt x="0" y="0"/>
                   </a:lnTo>
                 </a:path>
               </a:pathLst>
             </a:custGeom>
-            <a:ln w="6775" cap="flat">
+            <a:ln w="13550" cap="flat">
               <a:solidFill>
-                <a:srgbClr val="DEDEDE">
+                <a:srgbClr val="EBEBEB">
                   <a:alpha val="100000"/>
                 </a:srgbClr>
               </a:solidFill>
@@ -3519,28 +3519,28 @@
           </p:nvSpPr>
           <p:spPr>
             <a:xfrm>
-              <a:off x="2023549" y="3614772"/>
-              <a:ext cx="6913543" cy="0"/>
+              <a:off x="3053495" y="1809173"/>
+              <a:ext cx="0" cy="3464924"/>
             </a:xfrm>
             <a:custGeom>
               <a:avLst/>
               <a:pathLst>
-                <a:path w="6913543" h="0">
+                <a:path w="0" h="3464924">
                   <a:moveTo>
+                    <a:pt x="0" y="3464924"/>
+                  </a:moveTo>
+                  <a:lnTo>
                     <a:pt x="0" y="0"/>
-                  </a:moveTo>
-                  <a:lnTo>
-                    <a:pt x="6913543" y="0"/>
-                  </a:lnTo>
-                  <a:lnTo>
-                    <a:pt x="6913543" y="0"/>
+                  </a:lnTo>
+                  <a:lnTo>
+                    <a:pt x="0" y="0"/>
                   </a:lnTo>
                 </a:path>
               </a:pathLst>
             </a:custGeom>
-            <a:ln w="6775" cap="flat">
+            <a:ln w="13550" cap="flat">
               <a:solidFill>
-                <a:srgbClr val="DEDEDE">
+                <a:srgbClr val="EBEBEB">
                   <a:alpha val="100000"/>
                 </a:srgbClr>
               </a:solidFill>
@@ -3562,28 +3562,28 @@
           </p:nvSpPr>
           <p:spPr>
             <a:xfrm>
-              <a:off x="2023549" y="3174738"/>
-              <a:ext cx="6913543" cy="0"/>
+              <a:off x="3575715" y="1809173"/>
+              <a:ext cx="0" cy="3464924"/>
             </a:xfrm>
             <a:custGeom>
               <a:avLst/>
               <a:pathLst>
-                <a:path w="6913543" h="0">
+                <a:path w="0" h="3464924">
                   <a:moveTo>
+                    <a:pt x="0" y="3464924"/>
+                  </a:moveTo>
+                  <a:lnTo>
                     <a:pt x="0" y="0"/>
-                  </a:moveTo>
-                  <a:lnTo>
-                    <a:pt x="6913543" y="0"/>
-                  </a:lnTo>
-                  <a:lnTo>
-                    <a:pt x="6913543" y="0"/>
+                  </a:lnTo>
+                  <a:lnTo>
+                    <a:pt x="0" y="0"/>
                   </a:lnTo>
                 </a:path>
               </a:pathLst>
             </a:custGeom>
-            <a:ln w="6775" cap="flat">
+            <a:ln w="13550" cap="flat">
               <a:solidFill>
-                <a:srgbClr val="DEDEDE">
+                <a:srgbClr val="EBEBEB">
                   <a:alpha val="100000"/>
                 </a:srgbClr>
               </a:solidFill>
@@ -3605,28 +3605,28 @@
           </p:nvSpPr>
           <p:spPr>
             <a:xfrm>
-              <a:off x="2023549" y="2734705"/>
-              <a:ext cx="6913543" cy="0"/>
+              <a:off x="4097935" y="1809173"/>
+              <a:ext cx="0" cy="3464924"/>
             </a:xfrm>
             <a:custGeom>
               <a:avLst/>
               <a:pathLst>
-                <a:path w="6913543" h="0">
+                <a:path w="0" h="3464924">
                   <a:moveTo>
+                    <a:pt x="0" y="3464924"/>
+                  </a:moveTo>
+                  <a:lnTo>
                     <a:pt x="0" y="0"/>
-                  </a:moveTo>
-                  <a:lnTo>
-                    <a:pt x="6913543" y="0"/>
-                  </a:lnTo>
-                  <a:lnTo>
-                    <a:pt x="6913543" y="0"/>
+                  </a:lnTo>
+                  <a:lnTo>
+                    <a:pt x="0" y="0"/>
                   </a:lnTo>
                 </a:path>
               </a:pathLst>
             </a:custGeom>
-            <a:ln w="6775" cap="flat">
+            <a:ln w="13550" cap="flat">
               <a:solidFill>
-                <a:srgbClr val="DEDEDE">
+                <a:srgbClr val="EBEBEB">
                   <a:alpha val="100000"/>
                 </a:srgbClr>
               </a:solidFill>
@@ -3642,34 +3642,125 @@
         </p:sp>
         <p:sp>
           <p:nvSpPr>
-            <p:cNvPr id="16" name="pl16"/>
-            <p:cNvSpPr/>
-            <p:nvPr/>
-          </p:nvSpPr>
-          <p:spPr>
-            <a:xfrm>
-              <a:off x="2023549" y="2294671"/>
-              <a:ext cx="6913543" cy="0"/>
-            </a:xfrm>
-            <a:custGeom>
-              <a:avLst/>
-              <a:pathLst>
-                <a:path w="6913543" h="0">
-                  <a:moveTo>
-                    <a:pt x="0" y="0"/>
-                  </a:moveTo>
-                  <a:lnTo>
-                    <a:pt x="6913543" y="0"/>
-                  </a:lnTo>
-                  <a:lnTo>
-                    <a:pt x="6913543" y="0"/>
-                  </a:lnTo>
-                </a:path>
-              </a:pathLst>
-            </a:custGeom>
-            <a:ln w="6775" cap="flat">
+            <p:cNvPr id="16" name="rc16"/>
+            <p:cNvSpPr/>
+            <p:nvPr/>
+          </p:nvSpPr>
+          <p:spPr>
+            <a:xfrm>
+              <a:off x="3862936" y="3951382"/>
+              <a:ext cx="469997" cy="1165218"/>
+            </a:xfrm>
+            <a:prstGeom prst="rect">
+              <a:avLst/>
+            </a:prstGeom>
+            <a:solidFill>
+              <a:srgbClr val="CB181D">
+                <a:alpha val="100000"/>
+              </a:srgbClr>
+            </a:solidFill>
+          </p:spPr>
+          <p:txBody>
+            <a:bodyPr/>
+            <a:lstStyle/>
+            <a:p/>
+          </p:txBody>
+        </p:sp>
+        <p:sp>
+          <p:nvSpPr>
+            <p:cNvPr id="17" name="rc17"/>
+            <p:cNvSpPr/>
+            <p:nvPr/>
+          </p:nvSpPr>
+          <p:spPr>
+            <a:xfrm>
+              <a:off x="2818496" y="1966669"/>
+              <a:ext cx="469997" cy="3149931"/>
+            </a:xfrm>
+            <a:prstGeom prst="rect">
+              <a:avLst/>
+            </a:prstGeom>
+            <a:solidFill>
+              <a:srgbClr val="FCAE91">
+                <a:alpha val="100000"/>
+              </a:srgbClr>
+            </a:solidFill>
+          </p:spPr>
+          <p:txBody>
+            <a:bodyPr/>
+            <a:lstStyle/>
+            <a:p/>
+          </p:txBody>
+        </p:sp>
+        <p:sp>
+          <p:nvSpPr>
+            <p:cNvPr id="18" name="rc18"/>
+            <p:cNvSpPr/>
+            <p:nvPr/>
+          </p:nvSpPr>
+          <p:spPr>
+            <a:xfrm>
+              <a:off x="3340716" y="4309911"/>
+              <a:ext cx="469997" cy="806689"/>
+            </a:xfrm>
+            <a:prstGeom prst="rect">
+              <a:avLst/>
+            </a:prstGeom>
+            <a:solidFill>
+              <a:srgbClr val="FB6A4A">
+                <a:alpha val="100000"/>
+              </a:srgbClr>
+            </a:solidFill>
+          </p:spPr>
+          <p:txBody>
+            <a:bodyPr/>
+            <a:lstStyle/>
+            <a:p/>
+          </p:txBody>
+        </p:sp>
+        <p:sp>
+          <p:nvSpPr>
+            <p:cNvPr id="19" name="rc19"/>
+            <p:cNvSpPr/>
+            <p:nvPr/>
+          </p:nvSpPr>
+          <p:spPr>
+            <a:xfrm>
+              <a:off x="2296276" y="4604416"/>
+              <a:ext cx="469997" cy="512183"/>
+            </a:xfrm>
+            <a:prstGeom prst="rect">
+              <a:avLst/>
+            </a:prstGeom>
+            <a:solidFill>
+              <a:srgbClr val="FEE5D9">
+                <a:alpha val="100000"/>
+              </a:srgbClr>
+            </a:solidFill>
+          </p:spPr>
+          <p:txBody>
+            <a:bodyPr/>
+            <a:lstStyle/>
+            <a:p/>
+          </p:txBody>
+        </p:sp>
+        <p:sp>
+          <p:nvSpPr>
+            <p:cNvPr id="20" name="rc20"/>
+            <p:cNvSpPr/>
+            <p:nvPr/>
+          </p:nvSpPr>
+          <p:spPr>
+            <a:xfrm>
+              <a:off x="2217943" y="1809173"/>
+              <a:ext cx="2193323" cy="3464924"/>
+            </a:xfrm>
+            <a:prstGeom prst="rect">
+              <a:avLst/>
+            </a:prstGeom>
+            <a:ln w="13550" cap="rnd">
               <a:solidFill>
-                <a:srgbClr val="DEDEDE">
+                <a:srgbClr val="333333">
                   <a:alpha val="100000"/>
                 </a:srgbClr>
               </a:solidFill>
@@ -3685,34 +3776,60 @@
         </p:sp>
         <p:sp>
           <p:nvSpPr>
-            <p:cNvPr id="17" name="pl17"/>
-            <p:cNvSpPr/>
-            <p:nvPr/>
-          </p:nvSpPr>
-          <p:spPr>
-            <a:xfrm>
-              <a:off x="2023549" y="1854637"/>
-              <a:ext cx="6913543" cy="0"/>
+            <p:cNvPr id="21" name="rc21"/>
+            <p:cNvSpPr/>
+            <p:nvPr/>
+          </p:nvSpPr>
+          <p:spPr>
+            <a:xfrm>
+              <a:off x="4480856" y="1809173"/>
+              <a:ext cx="2193323" cy="3464924"/>
+            </a:xfrm>
+            <a:prstGeom prst="rect">
+              <a:avLst/>
+            </a:prstGeom>
+            <a:solidFill>
+              <a:srgbClr val="FFFFFF">
+                <a:alpha val="100000"/>
+              </a:srgbClr>
+            </a:solidFill>
+          </p:spPr>
+          <p:txBody>
+            <a:bodyPr/>
+            <a:lstStyle/>
+            <a:p/>
+          </p:txBody>
+        </p:sp>
+        <p:sp>
+          <p:nvSpPr>
+            <p:cNvPr id="22" name="pl22"/>
+            <p:cNvSpPr/>
+            <p:nvPr/>
+          </p:nvSpPr>
+          <p:spPr>
+            <a:xfrm>
+              <a:off x="4480856" y="4553198"/>
+              <a:ext cx="2193323" cy="0"/>
             </a:xfrm>
             <a:custGeom>
               <a:avLst/>
               <a:pathLst>
-                <a:path w="6913543" h="0">
+                <a:path w="2193323" h="0">
                   <a:moveTo>
                     <a:pt x="0" y="0"/>
                   </a:moveTo>
                   <a:lnTo>
-                    <a:pt x="6913543" y="0"/>
-                  </a:lnTo>
-                  <a:lnTo>
-                    <a:pt x="6913543" y="0"/>
+                    <a:pt x="2193323" y="0"/>
+                  </a:lnTo>
+                  <a:lnTo>
+                    <a:pt x="2193323" y="0"/>
                   </a:lnTo>
                 </a:path>
               </a:pathLst>
             </a:custGeom>
             <a:ln w="6775" cap="flat">
               <a:solidFill>
-                <a:srgbClr val="DEDEDE">
+                <a:srgbClr val="EBEBEB">
                   <a:alpha val="100000"/>
                 </a:srgbClr>
               </a:solidFill>
@@ -3728,34 +3845,34 @@
         </p:sp>
         <p:sp>
           <p:nvSpPr>
-            <p:cNvPr id="18" name="pl18"/>
-            <p:cNvSpPr/>
-            <p:nvPr/>
-          </p:nvSpPr>
-          <p:spPr>
-            <a:xfrm>
-              <a:off x="2023549" y="1590617"/>
-              <a:ext cx="0" cy="4048310"/>
+            <p:cNvPr id="23" name="pl23"/>
+            <p:cNvSpPr/>
+            <p:nvPr/>
+          </p:nvSpPr>
+          <p:spPr>
+            <a:xfrm>
+              <a:off x="4480856" y="3426393"/>
+              <a:ext cx="2193323" cy="0"/>
             </a:xfrm>
             <a:custGeom>
               <a:avLst/>
               <a:pathLst>
-                <a:path w="0" h="4048310">
+                <a:path w="2193323" h="0">
                   <a:moveTo>
-                    <a:pt x="0" y="4048310"/>
+                    <a:pt x="0" y="0"/>
                   </a:moveTo>
                   <a:lnTo>
-                    <a:pt x="0" y="0"/>
-                  </a:lnTo>
-                  <a:lnTo>
-                    <a:pt x="0" y="0"/>
+                    <a:pt x="2193323" y="0"/>
+                  </a:lnTo>
+                  <a:lnTo>
+                    <a:pt x="2193323" y="0"/>
                   </a:lnTo>
                 </a:path>
               </a:pathLst>
             </a:custGeom>
             <a:ln w="6775" cap="flat">
               <a:solidFill>
-                <a:srgbClr val="DEDEDE">
+                <a:srgbClr val="EBEBEB">
                   <a:alpha val="100000"/>
                 </a:srgbClr>
               </a:solidFill>
@@ -3771,34 +3888,34 @@
         </p:sp>
         <p:sp>
           <p:nvSpPr>
-            <p:cNvPr id="19" name="pl19"/>
-            <p:cNvSpPr/>
-            <p:nvPr/>
-          </p:nvSpPr>
-          <p:spPr>
-            <a:xfrm>
-              <a:off x="4266429" y="1590617"/>
-              <a:ext cx="0" cy="4048310"/>
+            <p:cNvPr id="24" name="pl24"/>
+            <p:cNvSpPr/>
+            <p:nvPr/>
+          </p:nvSpPr>
+          <p:spPr>
+            <a:xfrm>
+              <a:off x="4480856" y="2299589"/>
+              <a:ext cx="2193323" cy="0"/>
             </a:xfrm>
             <a:custGeom>
               <a:avLst/>
               <a:pathLst>
-                <a:path w="0" h="4048310">
+                <a:path w="2193323" h="0">
                   <a:moveTo>
-                    <a:pt x="0" y="4048310"/>
+                    <a:pt x="0" y="0"/>
                   </a:moveTo>
                   <a:lnTo>
-                    <a:pt x="0" y="0"/>
-                  </a:lnTo>
-                  <a:lnTo>
-                    <a:pt x="0" y="0"/>
+                    <a:pt x="2193323" y="0"/>
+                  </a:lnTo>
+                  <a:lnTo>
+                    <a:pt x="2193323" y="0"/>
                   </a:lnTo>
                 </a:path>
               </a:pathLst>
             </a:custGeom>
             <a:ln w="6775" cap="flat">
               <a:solidFill>
-                <a:srgbClr val="DEDEDE">
+                <a:srgbClr val="EBEBEB">
                   <a:alpha val="100000"/>
                 </a:srgbClr>
               </a:solidFill>
@@ -3814,34 +3931,34 @@
         </p:sp>
         <p:sp>
           <p:nvSpPr>
-            <p:cNvPr id="20" name="pl20"/>
-            <p:cNvSpPr/>
-            <p:nvPr/>
-          </p:nvSpPr>
-          <p:spPr>
-            <a:xfrm>
-              <a:off x="6509309" y="1590617"/>
-              <a:ext cx="0" cy="4048310"/>
+            <p:cNvPr id="25" name="pl25"/>
+            <p:cNvSpPr/>
+            <p:nvPr/>
+          </p:nvSpPr>
+          <p:spPr>
+            <a:xfrm>
+              <a:off x="4480856" y="5116600"/>
+              <a:ext cx="2193323" cy="0"/>
             </a:xfrm>
             <a:custGeom>
               <a:avLst/>
               <a:pathLst>
-                <a:path w="0" h="4048310">
+                <a:path w="2193323" h="0">
                   <a:moveTo>
-                    <a:pt x="0" y="4048310"/>
+                    <a:pt x="0" y="0"/>
                   </a:moveTo>
                   <a:lnTo>
-                    <a:pt x="0" y="0"/>
-                  </a:lnTo>
-                  <a:lnTo>
-                    <a:pt x="0" y="0"/>
+                    <a:pt x="2193323" y="0"/>
+                  </a:lnTo>
+                  <a:lnTo>
+                    <a:pt x="2193323" y="0"/>
                   </a:lnTo>
                 </a:path>
               </a:pathLst>
             </a:custGeom>
-            <a:ln w="6775" cap="flat">
+            <a:ln w="13550" cap="flat">
               <a:solidFill>
-                <a:srgbClr val="DEDEDE">
+                <a:srgbClr val="EBEBEB">
                   <a:alpha val="100000"/>
                 </a:srgbClr>
               </a:solidFill>
@@ -3857,34 +3974,34 @@
         </p:sp>
         <p:sp>
           <p:nvSpPr>
-            <p:cNvPr id="21" name="pl21"/>
-            <p:cNvSpPr/>
-            <p:nvPr/>
-          </p:nvSpPr>
-          <p:spPr>
-            <a:xfrm>
-              <a:off x="8752189" y="1590617"/>
-              <a:ext cx="0" cy="4048310"/>
+            <p:cNvPr id="26" name="pl26"/>
+            <p:cNvSpPr/>
+            <p:nvPr/>
+          </p:nvSpPr>
+          <p:spPr>
+            <a:xfrm>
+              <a:off x="4480856" y="3989796"/>
+              <a:ext cx="2193323" cy="0"/>
             </a:xfrm>
             <a:custGeom>
               <a:avLst/>
               <a:pathLst>
-                <a:path w="0" h="4048310">
+                <a:path w="2193323" h="0">
                   <a:moveTo>
-                    <a:pt x="0" y="4048310"/>
+                    <a:pt x="0" y="0"/>
                   </a:moveTo>
                   <a:lnTo>
-                    <a:pt x="0" y="0"/>
-                  </a:lnTo>
-                  <a:lnTo>
-                    <a:pt x="0" y="0"/>
+                    <a:pt x="2193323" y="0"/>
+                  </a:lnTo>
+                  <a:lnTo>
+                    <a:pt x="2193323" y="0"/>
                   </a:lnTo>
                 </a:path>
               </a:pathLst>
             </a:custGeom>
-            <a:ln w="6775" cap="flat">
+            <a:ln w="13550" cap="flat">
               <a:solidFill>
-                <a:srgbClr val="DEDEDE">
+                <a:srgbClr val="EBEBEB">
                   <a:alpha val="100000"/>
                 </a:srgbClr>
               </a:solidFill>
@@ -3900,669 +4017,34 @@
         </p:sp>
         <p:sp>
           <p:nvSpPr>
-            <p:cNvPr id="22" name="rc22"/>
-            <p:cNvSpPr/>
-            <p:nvPr/>
-          </p:nvSpPr>
-          <p:spPr>
-            <a:xfrm>
-              <a:off x="2023549" y="1656622"/>
-              <a:ext cx="6777983" cy="396030"/>
-            </a:xfrm>
-            <a:prstGeom prst="rect">
-              <a:avLst/>
-            </a:prstGeom>
-            <a:solidFill>
-              <a:srgbClr val="595959">
-                <a:alpha val="100000"/>
-              </a:srgbClr>
-            </a:solidFill>
-          </p:spPr>
-          <p:txBody>
-            <a:bodyPr/>
-            <a:lstStyle/>
-            <a:p/>
-          </p:txBody>
-        </p:sp>
-        <p:sp>
-          <p:nvSpPr>
-            <p:cNvPr id="23" name="rc23"/>
-            <p:cNvSpPr/>
-            <p:nvPr/>
-          </p:nvSpPr>
-          <p:spPr>
-            <a:xfrm>
-              <a:off x="2023549" y="2096656"/>
-              <a:ext cx="4687619" cy="396030"/>
-            </a:xfrm>
-            <a:prstGeom prst="rect">
-              <a:avLst/>
-            </a:prstGeom>
-            <a:solidFill>
-              <a:srgbClr val="595959">
-                <a:alpha val="100000"/>
-              </a:srgbClr>
-            </a:solidFill>
-          </p:spPr>
-          <p:txBody>
-            <a:bodyPr/>
-            <a:lstStyle/>
-            <a:p/>
-          </p:txBody>
-        </p:sp>
-        <p:sp>
-          <p:nvSpPr>
-            <p:cNvPr id="24" name="rc24"/>
-            <p:cNvSpPr/>
-            <p:nvPr/>
-          </p:nvSpPr>
-          <p:spPr>
-            <a:xfrm>
-              <a:off x="2023549" y="2536689"/>
-              <a:ext cx="4615847" cy="396030"/>
-            </a:xfrm>
-            <a:prstGeom prst="rect">
-              <a:avLst/>
-            </a:prstGeom>
-            <a:solidFill>
-              <a:srgbClr val="595959">
-                <a:alpha val="100000"/>
-              </a:srgbClr>
-            </a:solidFill>
-          </p:spPr>
-          <p:txBody>
-            <a:bodyPr/>
-            <a:lstStyle/>
-            <a:p/>
-          </p:txBody>
-        </p:sp>
-        <p:sp>
-          <p:nvSpPr>
-            <p:cNvPr id="25" name="rc25"/>
-            <p:cNvSpPr/>
-            <p:nvPr/>
-          </p:nvSpPr>
-          <p:spPr>
-            <a:xfrm>
-              <a:off x="2023549" y="2976723"/>
-              <a:ext cx="4297358" cy="396030"/>
-            </a:xfrm>
-            <a:prstGeom prst="rect">
-              <a:avLst/>
-            </a:prstGeom>
-            <a:solidFill>
-              <a:srgbClr val="595959">
-                <a:alpha val="100000"/>
-              </a:srgbClr>
-            </a:solidFill>
-          </p:spPr>
-          <p:txBody>
-            <a:bodyPr/>
-            <a:lstStyle/>
-            <a:p/>
-          </p:txBody>
-        </p:sp>
-        <p:sp>
-          <p:nvSpPr>
-            <p:cNvPr id="26" name="rc26"/>
-            <p:cNvSpPr/>
-            <p:nvPr/>
-          </p:nvSpPr>
-          <p:spPr>
-            <a:xfrm>
-              <a:off x="2023549" y="3416757"/>
-              <a:ext cx="3357591" cy="396030"/>
-            </a:xfrm>
-            <a:prstGeom prst="rect">
-              <a:avLst/>
-            </a:prstGeom>
-            <a:solidFill>
-              <a:srgbClr val="595959">
-                <a:alpha val="100000"/>
-              </a:srgbClr>
-            </a:solidFill>
-          </p:spPr>
-          <p:txBody>
-            <a:bodyPr/>
-            <a:lstStyle/>
-            <a:p/>
-          </p:txBody>
-        </p:sp>
-        <p:sp>
-          <p:nvSpPr>
-            <p:cNvPr id="27" name="rc27"/>
-            <p:cNvSpPr/>
-            <p:nvPr/>
-          </p:nvSpPr>
-          <p:spPr>
-            <a:xfrm>
-              <a:off x="2023549" y="3856791"/>
-              <a:ext cx="2713884" cy="396030"/>
-            </a:xfrm>
-            <a:prstGeom prst="rect">
-              <a:avLst/>
-            </a:prstGeom>
-            <a:solidFill>
-              <a:srgbClr val="595959">
-                <a:alpha val="100000"/>
-              </a:srgbClr>
-            </a:solidFill>
-          </p:spPr>
-          <p:txBody>
-            <a:bodyPr/>
-            <a:lstStyle/>
-            <a:p/>
-          </p:txBody>
-        </p:sp>
-        <p:sp>
-          <p:nvSpPr>
-            <p:cNvPr id="28" name="rc28"/>
-            <p:cNvSpPr/>
-            <p:nvPr/>
-          </p:nvSpPr>
-          <p:spPr>
-            <a:xfrm>
-              <a:off x="2023549" y="4296824"/>
-              <a:ext cx="2689213" cy="396030"/>
-            </a:xfrm>
-            <a:prstGeom prst="rect">
-              <a:avLst/>
-            </a:prstGeom>
-            <a:solidFill>
-              <a:srgbClr val="595959">
-                <a:alpha val="100000"/>
-              </a:srgbClr>
-            </a:solidFill>
-          </p:spPr>
-          <p:txBody>
-            <a:bodyPr/>
-            <a:lstStyle/>
-            <a:p/>
-          </p:txBody>
-        </p:sp>
-        <p:sp>
-          <p:nvSpPr>
-            <p:cNvPr id="29" name="rc29"/>
-            <p:cNvSpPr/>
-            <p:nvPr/>
-          </p:nvSpPr>
-          <p:spPr>
-            <a:xfrm>
-              <a:off x="2023549" y="4736858"/>
-              <a:ext cx="2390910" cy="396030"/>
-            </a:xfrm>
-            <a:prstGeom prst="rect">
-              <a:avLst/>
-            </a:prstGeom>
-            <a:solidFill>
-              <a:srgbClr val="595959">
-                <a:alpha val="100000"/>
-              </a:srgbClr>
-            </a:solidFill>
-          </p:spPr>
-          <p:txBody>
-            <a:bodyPr/>
-            <a:lstStyle/>
-            <a:p/>
-          </p:txBody>
-        </p:sp>
-        <p:sp>
-          <p:nvSpPr>
-            <p:cNvPr id="30" name="rc30"/>
-            <p:cNvSpPr/>
-            <p:nvPr/>
-          </p:nvSpPr>
-          <p:spPr>
-            <a:xfrm>
-              <a:off x="2023549" y="5176892"/>
-              <a:ext cx="266902" cy="396030"/>
-            </a:xfrm>
-            <a:prstGeom prst="rect">
-              <a:avLst/>
-            </a:prstGeom>
-            <a:solidFill>
-              <a:srgbClr val="595959">
-                <a:alpha val="100000"/>
-              </a:srgbClr>
-            </a:solidFill>
-          </p:spPr>
-          <p:txBody>
-            <a:bodyPr/>
-            <a:lstStyle/>
-            <a:p/>
-          </p:txBody>
-        </p:sp>
-        <p:sp>
-          <p:nvSpPr>
-            <p:cNvPr id="31" name="tx31"/>
-            <p:cNvSpPr/>
-            <p:nvPr/>
-          </p:nvSpPr>
-          <p:spPr>
-            <a:xfrm>
-              <a:off x="8232237" y="1810163"/>
-              <a:ext cx="406518" cy="67753"/>
-            </a:xfrm>
-            <a:prstGeom prst="rect">
-              <a:avLst/>
-            </a:prstGeom>
-            <a:noFill/>
-          </p:spPr>
-          <p:txBody>
-            <a:bodyPr lIns="0" rIns="0" tIns="0" bIns="0" anchorCtr="1" anchor="ctr" wrap="none"/>
-            <a:lstStyle/>
-            <a:p>
-              <a:pPr algn="l" marL="0" marR="0" indent="0">
-                <a:lnSpc>
-                  <a:spcPts val="853"/>
-                </a:lnSpc>
-                <a:spcBef>
-                  <a:spcPts val="0"/>
-                </a:spcBef>
-                <a:spcAft>
-                  <a:spcPts val="0"/>
-                </a:spcAft>
-              </a:pPr>
-              <a:r>
-                <a:rPr sz="853" b="1">
-                  <a:solidFill>
-                    <a:srgbClr val="FFFFFF">
-                      <a:alpha val="100000"/>
-                    </a:srgbClr>
-                  </a:solidFill>
-                  <a:latin typeface="Arial"/>
-                  <a:cs typeface="Arial"/>
-                </a:rPr>
-                <a:t>营养成分表</a:t>
-              </a:r>
-            </a:p>
-          </p:txBody>
-        </p:sp>
-        <p:sp>
-          <p:nvSpPr>
-            <p:cNvPr id="32" name="tx32"/>
-            <p:cNvSpPr/>
-            <p:nvPr/>
-          </p:nvSpPr>
-          <p:spPr>
-            <a:xfrm>
-              <a:off x="6223176" y="2250197"/>
-              <a:ext cx="325215" cy="67753"/>
-            </a:xfrm>
-            <a:prstGeom prst="rect">
-              <a:avLst/>
-            </a:prstGeom>
-            <a:noFill/>
-          </p:spPr>
-          <p:txBody>
-            <a:bodyPr lIns="0" rIns="0" tIns="0" bIns="0" anchorCtr="1" anchor="ctr" wrap="none"/>
-            <a:lstStyle/>
-            <a:p>
-              <a:pPr algn="l" marL="0" marR="0" indent="0">
-                <a:lnSpc>
-                  <a:spcPts val="853"/>
-                </a:lnSpc>
-                <a:spcBef>
-                  <a:spcPts val="0"/>
-                </a:spcBef>
-                <a:spcAft>
-                  <a:spcPts val="0"/>
-                </a:spcAft>
-              </a:pPr>
-              <a:r>
-                <a:rPr sz="853" b="1">
-                  <a:solidFill>
-                    <a:srgbClr val="FFFFFF">
-                      <a:alpha val="100000"/>
-                    </a:srgbClr>
-                  </a:solidFill>
-                  <a:latin typeface="Arial"/>
-                  <a:cs typeface="Arial"/>
-                </a:rPr>
-                <a:t>菌株信息</a:t>
-              </a:r>
-            </a:p>
-          </p:txBody>
-        </p:sp>
-        <p:sp>
-          <p:nvSpPr>
-            <p:cNvPr id="33" name="tx33"/>
-            <p:cNvSpPr/>
-            <p:nvPr/>
-          </p:nvSpPr>
-          <p:spPr>
-            <a:xfrm>
-              <a:off x="6151404" y="2690231"/>
-              <a:ext cx="325215" cy="67753"/>
-            </a:xfrm>
-            <a:prstGeom prst="rect">
-              <a:avLst/>
-            </a:prstGeom>
-            <a:noFill/>
-          </p:spPr>
-          <p:txBody>
-            <a:bodyPr lIns="0" rIns="0" tIns="0" bIns="0" anchorCtr="1" anchor="ctr" wrap="none"/>
-            <a:lstStyle/>
-            <a:p>
-              <a:pPr algn="l" marL="0" marR="0" indent="0">
-                <a:lnSpc>
-                  <a:spcPts val="853"/>
-                </a:lnSpc>
-                <a:spcBef>
-                  <a:spcPts val="0"/>
-                </a:spcBef>
-                <a:spcAft>
-                  <a:spcPts val="0"/>
-                </a:spcAft>
-              </a:pPr>
-              <a:r>
-                <a:rPr sz="853" b="1">
-                  <a:solidFill>
-                    <a:srgbClr val="FFFFFF">
-                      <a:alpha val="100000"/>
-                    </a:srgbClr>
-                  </a:solidFill>
-                  <a:latin typeface="Arial"/>
-                  <a:cs typeface="Arial"/>
-                </a:rPr>
-                <a:t>功能宣称</a:t>
-              </a:r>
-            </a:p>
-          </p:txBody>
-        </p:sp>
-        <p:sp>
-          <p:nvSpPr>
-            <p:cNvPr id="34" name="tx34"/>
-            <p:cNvSpPr/>
-            <p:nvPr/>
-          </p:nvSpPr>
-          <p:spPr>
-            <a:xfrm>
-              <a:off x="5263789" y="3130265"/>
-              <a:ext cx="894341" cy="67753"/>
-            </a:xfrm>
-            <a:prstGeom prst="rect">
-              <a:avLst/>
-            </a:prstGeom>
-            <a:noFill/>
-          </p:spPr>
-          <p:txBody>
-            <a:bodyPr lIns="0" rIns="0" tIns="0" bIns="0" anchorCtr="1" anchor="ctr" wrap="none"/>
-            <a:lstStyle/>
-            <a:p>
-              <a:pPr algn="l" marL="0" marR="0" indent="0">
-                <a:lnSpc>
-                  <a:spcPts val="853"/>
-                </a:lnSpc>
-                <a:spcBef>
-                  <a:spcPts val="0"/>
-                </a:spcBef>
-                <a:spcAft>
-                  <a:spcPts val="0"/>
-                </a:spcAft>
-              </a:pPr>
-              <a:r>
-                <a:rPr sz="853" b="1">
-                  <a:solidFill>
-                    <a:srgbClr val="FFFFFF">
-                      <a:alpha val="100000"/>
-                    </a:srgbClr>
-                  </a:solidFill>
-                  <a:latin typeface="Arial"/>
-                  <a:cs typeface="Arial"/>
-                </a:rPr>
-                <a:t>保健食品标志（蓝帽子）</a:t>
-              </a:r>
-            </a:p>
-          </p:txBody>
-        </p:sp>
-        <p:sp>
-          <p:nvSpPr>
-            <p:cNvPr id="35" name="tx35"/>
-            <p:cNvSpPr/>
-            <p:nvPr/>
-          </p:nvSpPr>
-          <p:spPr>
-            <a:xfrm>
-              <a:off x="5543917" y="3573326"/>
-              <a:ext cx="436637" cy="80245"/>
-            </a:xfrm>
-            <a:prstGeom prst="rect">
-              <a:avLst/>
-            </a:prstGeom>
-            <a:noFill/>
-          </p:spPr>
-          <p:txBody>
-            <a:bodyPr lIns="0" rIns="0" tIns="0" bIns="0" anchorCtr="1" anchor="ctr" wrap="none"/>
-            <a:lstStyle/>
-            <a:p>
-              <a:pPr algn="l" marL="0" marR="0" indent="0">
-                <a:lnSpc>
-                  <a:spcPts val="853"/>
-                </a:lnSpc>
-                <a:spcBef>
-                  <a:spcPts val="0"/>
-                </a:spcBef>
-                <a:spcAft>
-                  <a:spcPts val="0"/>
-                </a:spcAft>
-              </a:pPr>
-              <a:r>
-                <a:rPr sz="853">
-                  <a:solidFill>
-                    <a:srgbClr val="000000">
-                      <a:alpha val="100000"/>
-                    </a:srgbClr>
-                  </a:solidFill>
-                  <a:latin typeface="Arial"/>
-                  <a:cs typeface="Arial"/>
-                </a:rPr>
-                <a:t>辅料/添加剂</a:t>
-              </a:r>
-            </a:p>
-          </p:txBody>
-        </p:sp>
-        <p:sp>
-          <p:nvSpPr>
-            <p:cNvPr id="36" name="tx36"/>
-            <p:cNvSpPr/>
-            <p:nvPr/>
-          </p:nvSpPr>
-          <p:spPr>
-            <a:xfrm>
-              <a:off x="4900211" y="4013360"/>
-              <a:ext cx="385398" cy="80245"/>
-            </a:xfrm>
-            <a:prstGeom prst="rect">
-              <a:avLst/>
-            </a:prstGeom>
-            <a:noFill/>
-          </p:spPr>
-          <p:txBody>
-            <a:bodyPr lIns="0" rIns="0" tIns="0" bIns="0" anchorCtr="1" anchor="ctr" wrap="none"/>
-            <a:lstStyle/>
-            <a:p>
-              <a:pPr algn="l" marL="0" marR="0" indent="0">
-                <a:lnSpc>
-                  <a:spcPts val="853"/>
-                </a:lnSpc>
-                <a:spcBef>
-                  <a:spcPts val="0"/>
-                </a:spcBef>
-                <a:spcAft>
-                  <a:spcPts val="0"/>
-                </a:spcAft>
-              </a:pPr>
-              <a:r>
-                <a:rPr sz="853">
-                  <a:solidFill>
-                    <a:srgbClr val="000000">
-                      <a:alpha val="100000"/>
-                    </a:srgbClr>
-                  </a:solidFill>
-                  <a:latin typeface="Arial"/>
-                  <a:cs typeface="Arial"/>
-                </a:rPr>
-                <a:t>CFU信息</a:t>
-              </a:r>
-            </a:p>
-          </p:txBody>
-        </p:sp>
-        <p:sp>
-          <p:nvSpPr>
-            <p:cNvPr id="37" name="tx37"/>
-            <p:cNvSpPr/>
-            <p:nvPr/>
-          </p:nvSpPr>
-          <p:spPr>
-            <a:xfrm>
-              <a:off x="4875539" y="4465886"/>
-              <a:ext cx="325215" cy="67753"/>
-            </a:xfrm>
-            <a:prstGeom prst="rect">
-              <a:avLst/>
-            </a:prstGeom>
-            <a:noFill/>
-          </p:spPr>
-          <p:txBody>
-            <a:bodyPr lIns="0" rIns="0" tIns="0" bIns="0" anchorCtr="1" anchor="ctr" wrap="none"/>
-            <a:lstStyle/>
-            <a:p>
-              <a:pPr algn="l" marL="0" marR="0" indent="0">
-                <a:lnSpc>
-                  <a:spcPts val="853"/>
-                </a:lnSpc>
-                <a:spcBef>
-                  <a:spcPts val="0"/>
-                </a:spcBef>
-                <a:spcAft>
-                  <a:spcPts val="0"/>
-                </a:spcAft>
-              </a:pPr>
-              <a:r>
-                <a:rPr sz="853">
-                  <a:solidFill>
-                    <a:srgbClr val="000000">
-                      <a:alpha val="100000"/>
-                    </a:srgbClr>
-                  </a:solidFill>
-                  <a:latin typeface="Arial"/>
-                  <a:cs typeface="Arial"/>
-                </a:rPr>
-                <a:t>使用禁忌</a:t>
-              </a:r>
-            </a:p>
-          </p:txBody>
-        </p:sp>
-        <p:sp>
-          <p:nvSpPr>
-            <p:cNvPr id="38" name="tx38"/>
-            <p:cNvSpPr/>
-            <p:nvPr/>
-          </p:nvSpPr>
-          <p:spPr>
-            <a:xfrm>
-              <a:off x="4577236" y="4905920"/>
-              <a:ext cx="243911" cy="67753"/>
-            </a:xfrm>
-            <a:prstGeom prst="rect">
-              <a:avLst/>
-            </a:prstGeom>
-            <a:noFill/>
-          </p:spPr>
-          <p:txBody>
-            <a:bodyPr lIns="0" rIns="0" tIns="0" bIns="0" anchorCtr="1" anchor="ctr" wrap="none"/>
-            <a:lstStyle/>
-            <a:p>
-              <a:pPr algn="l" marL="0" marR="0" indent="0">
-                <a:lnSpc>
-                  <a:spcPts val="853"/>
-                </a:lnSpc>
-                <a:spcBef>
-                  <a:spcPts val="0"/>
-                </a:spcBef>
-                <a:spcAft>
-                  <a:spcPts val="0"/>
-                </a:spcAft>
-              </a:pPr>
-              <a:r>
-                <a:rPr sz="853">
-                  <a:solidFill>
-                    <a:srgbClr val="000000">
-                      <a:alpha val="100000"/>
-                    </a:srgbClr>
-                  </a:solidFill>
-                  <a:latin typeface="Arial"/>
-                  <a:cs typeface="Arial"/>
-                </a:rPr>
-                <a:t>保质期</a:t>
-              </a:r>
-            </a:p>
-          </p:txBody>
-        </p:sp>
-        <p:sp>
-          <p:nvSpPr>
-            <p:cNvPr id="39" name="tx39"/>
-            <p:cNvSpPr/>
-            <p:nvPr/>
-          </p:nvSpPr>
-          <p:spPr>
-            <a:xfrm>
-              <a:off x="2453229" y="5345953"/>
-              <a:ext cx="569126" cy="67753"/>
-            </a:xfrm>
-            <a:prstGeom prst="rect">
-              <a:avLst/>
-            </a:prstGeom>
-            <a:noFill/>
-          </p:spPr>
-          <p:txBody>
-            <a:bodyPr lIns="0" rIns="0" tIns="0" bIns="0" anchorCtr="1" anchor="ctr" wrap="none"/>
-            <a:lstStyle/>
-            <a:p>
-              <a:pPr algn="l" marL="0" marR="0" indent="0">
-                <a:lnSpc>
-                  <a:spcPts val="853"/>
-                </a:lnSpc>
-                <a:spcBef>
-                  <a:spcPts val="0"/>
-                </a:spcBef>
-                <a:spcAft>
-                  <a:spcPts val="0"/>
-                </a:spcAft>
-              </a:pPr>
-              <a:r>
-                <a:rPr sz="853">
-                  <a:solidFill>
-                    <a:srgbClr val="000000">
-                      <a:alpha val="100000"/>
-                    </a:srgbClr>
-                  </a:solidFill>
-                  <a:latin typeface="Arial"/>
-                  <a:cs typeface="Arial"/>
-                </a:rPr>
-                <a:t>不关注相关信息</a:t>
-              </a:r>
-            </a:p>
-          </p:txBody>
-        </p:sp>
-        <p:sp>
-          <p:nvSpPr>
-            <p:cNvPr id="40" name="rc40"/>
-            <p:cNvSpPr/>
-            <p:nvPr/>
-          </p:nvSpPr>
-          <p:spPr>
-            <a:xfrm>
-              <a:off x="2023549" y="1590617"/>
-              <a:ext cx="6913543" cy="4048310"/>
-            </a:xfrm>
-            <a:prstGeom prst="rect">
-              <a:avLst/>
-            </a:prstGeom>
-            <a:ln w="13550" cap="rnd">
+            <p:cNvPr id="27" name="pl27"/>
+            <p:cNvSpPr/>
+            <p:nvPr/>
+          </p:nvSpPr>
+          <p:spPr>
+            <a:xfrm>
+              <a:off x="4480856" y="2862991"/>
+              <a:ext cx="2193323" cy="0"/>
+            </a:xfrm>
+            <a:custGeom>
+              <a:avLst/>
+              <a:pathLst>
+                <a:path w="2193323" h="0">
+                  <a:moveTo>
+                    <a:pt x="0" y="0"/>
+                  </a:moveTo>
+                  <a:lnTo>
+                    <a:pt x="2193323" y="0"/>
+                  </a:lnTo>
+                  <a:lnTo>
+                    <a:pt x="2193323" y="0"/>
+                  </a:lnTo>
+                </a:path>
+              </a:pathLst>
+            </a:custGeom>
+            <a:ln w="13550" cap="flat">
               <a:solidFill>
-                <a:srgbClr val="B3B3B3">
+                <a:srgbClr val="EBEBEB">
                   <a:alpha val="100000"/>
                 </a:srgbClr>
               </a:solidFill>
@@ -4578,14 +4060,945 @@
         </p:sp>
         <p:sp>
           <p:nvSpPr>
-            <p:cNvPr id="41" name="tx41"/>
-            <p:cNvSpPr/>
-            <p:nvPr/>
-          </p:nvSpPr>
-          <p:spPr>
-            <a:xfrm>
-              <a:off x="1926599" y="5333161"/>
-              <a:ext cx="62155" cy="81746"/>
+            <p:cNvPr id="28" name="pl28"/>
+            <p:cNvSpPr/>
+            <p:nvPr/>
+          </p:nvSpPr>
+          <p:spPr>
+            <a:xfrm>
+              <a:off x="4794188" y="1809173"/>
+              <a:ext cx="0" cy="3464924"/>
+            </a:xfrm>
+            <a:custGeom>
+              <a:avLst/>
+              <a:pathLst>
+                <a:path w="0" h="3464924">
+                  <a:moveTo>
+                    <a:pt x="0" y="3464924"/>
+                  </a:moveTo>
+                  <a:lnTo>
+                    <a:pt x="0" y="0"/>
+                  </a:lnTo>
+                  <a:lnTo>
+                    <a:pt x="0" y="0"/>
+                  </a:lnTo>
+                </a:path>
+              </a:pathLst>
+            </a:custGeom>
+            <a:ln w="13550" cap="flat">
+              <a:solidFill>
+                <a:srgbClr val="EBEBEB">
+                  <a:alpha val="100000"/>
+                </a:srgbClr>
+              </a:solidFill>
+              <a:prstDash val="solid"/>
+              <a:round/>
+            </a:ln>
+          </p:spPr>
+          <p:txBody>
+            <a:bodyPr/>
+            <a:lstStyle/>
+            <a:p/>
+          </p:txBody>
+        </p:sp>
+        <p:sp>
+          <p:nvSpPr>
+            <p:cNvPr id="29" name="pl29"/>
+            <p:cNvSpPr/>
+            <p:nvPr/>
+          </p:nvSpPr>
+          <p:spPr>
+            <a:xfrm>
+              <a:off x="5316408" y="1809173"/>
+              <a:ext cx="0" cy="3464924"/>
+            </a:xfrm>
+            <a:custGeom>
+              <a:avLst/>
+              <a:pathLst>
+                <a:path w="0" h="3464924">
+                  <a:moveTo>
+                    <a:pt x="0" y="3464924"/>
+                  </a:moveTo>
+                  <a:lnTo>
+                    <a:pt x="0" y="0"/>
+                  </a:lnTo>
+                  <a:lnTo>
+                    <a:pt x="0" y="0"/>
+                  </a:lnTo>
+                </a:path>
+              </a:pathLst>
+            </a:custGeom>
+            <a:ln w="13550" cap="flat">
+              <a:solidFill>
+                <a:srgbClr val="EBEBEB">
+                  <a:alpha val="100000"/>
+                </a:srgbClr>
+              </a:solidFill>
+              <a:prstDash val="solid"/>
+              <a:round/>
+            </a:ln>
+          </p:spPr>
+          <p:txBody>
+            <a:bodyPr/>
+            <a:lstStyle/>
+            <a:p/>
+          </p:txBody>
+        </p:sp>
+        <p:sp>
+          <p:nvSpPr>
+            <p:cNvPr id="30" name="pl30"/>
+            <p:cNvSpPr/>
+            <p:nvPr/>
+          </p:nvSpPr>
+          <p:spPr>
+            <a:xfrm>
+              <a:off x="5838627" y="1809173"/>
+              <a:ext cx="0" cy="3464924"/>
+            </a:xfrm>
+            <a:custGeom>
+              <a:avLst/>
+              <a:pathLst>
+                <a:path w="0" h="3464924">
+                  <a:moveTo>
+                    <a:pt x="0" y="3464924"/>
+                  </a:moveTo>
+                  <a:lnTo>
+                    <a:pt x="0" y="0"/>
+                  </a:lnTo>
+                  <a:lnTo>
+                    <a:pt x="0" y="0"/>
+                  </a:lnTo>
+                </a:path>
+              </a:pathLst>
+            </a:custGeom>
+            <a:ln w="13550" cap="flat">
+              <a:solidFill>
+                <a:srgbClr val="EBEBEB">
+                  <a:alpha val="100000"/>
+                </a:srgbClr>
+              </a:solidFill>
+              <a:prstDash val="solid"/>
+              <a:round/>
+            </a:ln>
+          </p:spPr>
+          <p:txBody>
+            <a:bodyPr/>
+            <a:lstStyle/>
+            <a:p/>
+          </p:txBody>
+        </p:sp>
+        <p:sp>
+          <p:nvSpPr>
+            <p:cNvPr id="31" name="pl31"/>
+            <p:cNvSpPr/>
+            <p:nvPr/>
+          </p:nvSpPr>
+          <p:spPr>
+            <a:xfrm>
+              <a:off x="6360847" y="1809173"/>
+              <a:ext cx="0" cy="3464924"/>
+            </a:xfrm>
+            <a:custGeom>
+              <a:avLst/>
+              <a:pathLst>
+                <a:path w="0" h="3464924">
+                  <a:moveTo>
+                    <a:pt x="0" y="3464924"/>
+                  </a:moveTo>
+                  <a:lnTo>
+                    <a:pt x="0" y="0"/>
+                  </a:lnTo>
+                  <a:lnTo>
+                    <a:pt x="0" y="0"/>
+                  </a:lnTo>
+                </a:path>
+              </a:pathLst>
+            </a:custGeom>
+            <a:ln w="13550" cap="flat">
+              <a:solidFill>
+                <a:srgbClr val="EBEBEB">
+                  <a:alpha val="100000"/>
+                </a:srgbClr>
+              </a:solidFill>
+              <a:prstDash val="solid"/>
+              <a:round/>
+            </a:ln>
+          </p:spPr>
+          <p:txBody>
+            <a:bodyPr/>
+            <a:lstStyle/>
+            <a:p/>
+          </p:txBody>
+        </p:sp>
+        <p:sp>
+          <p:nvSpPr>
+            <p:cNvPr id="32" name="rc32"/>
+            <p:cNvSpPr/>
+            <p:nvPr/>
+          </p:nvSpPr>
+          <p:spPr>
+            <a:xfrm>
+              <a:off x="6125848" y="3854927"/>
+              <a:ext cx="469997" cy="1261673"/>
+            </a:xfrm>
+            <a:prstGeom prst="rect">
+              <a:avLst/>
+            </a:prstGeom>
+            <a:solidFill>
+              <a:srgbClr val="CB181D">
+                <a:alpha val="100000"/>
+              </a:srgbClr>
+            </a:solidFill>
+          </p:spPr>
+          <p:txBody>
+            <a:bodyPr/>
+            <a:lstStyle/>
+            <a:p/>
+          </p:txBody>
+        </p:sp>
+        <p:sp>
+          <p:nvSpPr>
+            <p:cNvPr id="33" name="rc33"/>
+            <p:cNvSpPr/>
+            <p:nvPr/>
+          </p:nvSpPr>
+          <p:spPr>
+            <a:xfrm>
+              <a:off x="5081409" y="2310465"/>
+              <a:ext cx="469997" cy="2806135"/>
+            </a:xfrm>
+            <a:prstGeom prst="rect">
+              <a:avLst/>
+            </a:prstGeom>
+            <a:solidFill>
+              <a:srgbClr val="FCAE91">
+                <a:alpha val="100000"/>
+              </a:srgbClr>
+            </a:solidFill>
+          </p:spPr>
+          <p:txBody>
+            <a:bodyPr/>
+            <a:lstStyle/>
+            <a:p/>
+          </p:txBody>
+        </p:sp>
+        <p:sp>
+          <p:nvSpPr>
+            <p:cNvPr id="34" name="rc34"/>
+            <p:cNvSpPr/>
+            <p:nvPr/>
+          </p:nvSpPr>
+          <p:spPr>
+            <a:xfrm>
+              <a:off x="5603629" y="3985445"/>
+              <a:ext cx="469997" cy="1131155"/>
+            </a:xfrm>
+            <a:prstGeom prst="rect">
+              <a:avLst/>
+            </a:prstGeom>
+            <a:solidFill>
+              <a:srgbClr val="FB6A4A">
+                <a:alpha val="100000"/>
+              </a:srgbClr>
+            </a:solidFill>
+          </p:spPr>
+          <p:txBody>
+            <a:bodyPr/>
+            <a:lstStyle/>
+            <a:p/>
+          </p:txBody>
+        </p:sp>
+        <p:sp>
+          <p:nvSpPr>
+            <p:cNvPr id="35" name="rc35"/>
+            <p:cNvSpPr/>
+            <p:nvPr/>
+          </p:nvSpPr>
+          <p:spPr>
+            <a:xfrm>
+              <a:off x="4559189" y="4681541"/>
+              <a:ext cx="469997" cy="435059"/>
+            </a:xfrm>
+            <a:prstGeom prst="rect">
+              <a:avLst/>
+            </a:prstGeom>
+            <a:solidFill>
+              <a:srgbClr val="FEE5D9">
+                <a:alpha val="100000"/>
+              </a:srgbClr>
+            </a:solidFill>
+          </p:spPr>
+          <p:txBody>
+            <a:bodyPr/>
+            <a:lstStyle/>
+            <a:p/>
+          </p:txBody>
+        </p:sp>
+        <p:sp>
+          <p:nvSpPr>
+            <p:cNvPr id="36" name="rc36"/>
+            <p:cNvSpPr/>
+            <p:nvPr/>
+          </p:nvSpPr>
+          <p:spPr>
+            <a:xfrm>
+              <a:off x="4480856" y="1809173"/>
+              <a:ext cx="2193323" cy="3464924"/>
+            </a:xfrm>
+            <a:prstGeom prst="rect">
+              <a:avLst/>
+            </a:prstGeom>
+            <a:ln w="13550" cap="rnd">
+              <a:solidFill>
+                <a:srgbClr val="333333">
+                  <a:alpha val="100000"/>
+                </a:srgbClr>
+              </a:solidFill>
+              <a:prstDash val="solid"/>
+              <a:round/>
+            </a:ln>
+          </p:spPr>
+          <p:txBody>
+            <a:bodyPr/>
+            <a:lstStyle/>
+            <a:p/>
+          </p:txBody>
+        </p:sp>
+        <p:sp>
+          <p:nvSpPr>
+            <p:cNvPr id="37" name="rc37"/>
+            <p:cNvSpPr/>
+            <p:nvPr/>
+          </p:nvSpPr>
+          <p:spPr>
+            <a:xfrm>
+              <a:off x="6743768" y="1809173"/>
+              <a:ext cx="2193323" cy="3464924"/>
+            </a:xfrm>
+            <a:prstGeom prst="rect">
+              <a:avLst/>
+            </a:prstGeom>
+            <a:solidFill>
+              <a:srgbClr val="FFFFFF">
+                <a:alpha val="100000"/>
+              </a:srgbClr>
+            </a:solidFill>
+          </p:spPr>
+          <p:txBody>
+            <a:bodyPr/>
+            <a:lstStyle/>
+            <a:p/>
+          </p:txBody>
+        </p:sp>
+        <p:sp>
+          <p:nvSpPr>
+            <p:cNvPr id="38" name="pl38"/>
+            <p:cNvSpPr/>
+            <p:nvPr/>
+          </p:nvSpPr>
+          <p:spPr>
+            <a:xfrm>
+              <a:off x="6743768" y="4553198"/>
+              <a:ext cx="2193323" cy="0"/>
+            </a:xfrm>
+            <a:custGeom>
+              <a:avLst/>
+              <a:pathLst>
+                <a:path w="2193323" h="0">
+                  <a:moveTo>
+                    <a:pt x="0" y="0"/>
+                  </a:moveTo>
+                  <a:lnTo>
+                    <a:pt x="2193323" y="0"/>
+                  </a:lnTo>
+                  <a:lnTo>
+                    <a:pt x="2193323" y="0"/>
+                  </a:lnTo>
+                </a:path>
+              </a:pathLst>
+            </a:custGeom>
+            <a:ln w="6775" cap="flat">
+              <a:solidFill>
+                <a:srgbClr val="EBEBEB">
+                  <a:alpha val="100000"/>
+                </a:srgbClr>
+              </a:solidFill>
+              <a:prstDash val="solid"/>
+              <a:round/>
+            </a:ln>
+          </p:spPr>
+          <p:txBody>
+            <a:bodyPr/>
+            <a:lstStyle/>
+            <a:p/>
+          </p:txBody>
+        </p:sp>
+        <p:sp>
+          <p:nvSpPr>
+            <p:cNvPr id="39" name="pl39"/>
+            <p:cNvSpPr/>
+            <p:nvPr/>
+          </p:nvSpPr>
+          <p:spPr>
+            <a:xfrm>
+              <a:off x="6743768" y="3426393"/>
+              <a:ext cx="2193323" cy="0"/>
+            </a:xfrm>
+            <a:custGeom>
+              <a:avLst/>
+              <a:pathLst>
+                <a:path w="2193323" h="0">
+                  <a:moveTo>
+                    <a:pt x="0" y="0"/>
+                  </a:moveTo>
+                  <a:lnTo>
+                    <a:pt x="2193323" y="0"/>
+                  </a:lnTo>
+                  <a:lnTo>
+                    <a:pt x="2193323" y="0"/>
+                  </a:lnTo>
+                </a:path>
+              </a:pathLst>
+            </a:custGeom>
+            <a:ln w="6775" cap="flat">
+              <a:solidFill>
+                <a:srgbClr val="EBEBEB">
+                  <a:alpha val="100000"/>
+                </a:srgbClr>
+              </a:solidFill>
+              <a:prstDash val="solid"/>
+              <a:round/>
+            </a:ln>
+          </p:spPr>
+          <p:txBody>
+            <a:bodyPr/>
+            <a:lstStyle/>
+            <a:p/>
+          </p:txBody>
+        </p:sp>
+        <p:sp>
+          <p:nvSpPr>
+            <p:cNvPr id="40" name="pl40"/>
+            <p:cNvSpPr/>
+            <p:nvPr/>
+          </p:nvSpPr>
+          <p:spPr>
+            <a:xfrm>
+              <a:off x="6743768" y="2299589"/>
+              <a:ext cx="2193323" cy="0"/>
+            </a:xfrm>
+            <a:custGeom>
+              <a:avLst/>
+              <a:pathLst>
+                <a:path w="2193323" h="0">
+                  <a:moveTo>
+                    <a:pt x="0" y="0"/>
+                  </a:moveTo>
+                  <a:lnTo>
+                    <a:pt x="2193323" y="0"/>
+                  </a:lnTo>
+                  <a:lnTo>
+                    <a:pt x="2193323" y="0"/>
+                  </a:lnTo>
+                </a:path>
+              </a:pathLst>
+            </a:custGeom>
+            <a:ln w="6775" cap="flat">
+              <a:solidFill>
+                <a:srgbClr val="EBEBEB">
+                  <a:alpha val="100000"/>
+                </a:srgbClr>
+              </a:solidFill>
+              <a:prstDash val="solid"/>
+              <a:round/>
+            </a:ln>
+          </p:spPr>
+          <p:txBody>
+            <a:bodyPr/>
+            <a:lstStyle/>
+            <a:p/>
+          </p:txBody>
+        </p:sp>
+        <p:sp>
+          <p:nvSpPr>
+            <p:cNvPr id="41" name="pl41"/>
+            <p:cNvSpPr/>
+            <p:nvPr/>
+          </p:nvSpPr>
+          <p:spPr>
+            <a:xfrm>
+              <a:off x="6743768" y="5116600"/>
+              <a:ext cx="2193323" cy="0"/>
+            </a:xfrm>
+            <a:custGeom>
+              <a:avLst/>
+              <a:pathLst>
+                <a:path w="2193323" h="0">
+                  <a:moveTo>
+                    <a:pt x="0" y="0"/>
+                  </a:moveTo>
+                  <a:lnTo>
+                    <a:pt x="2193323" y="0"/>
+                  </a:lnTo>
+                  <a:lnTo>
+                    <a:pt x="2193323" y="0"/>
+                  </a:lnTo>
+                </a:path>
+              </a:pathLst>
+            </a:custGeom>
+            <a:ln w="13550" cap="flat">
+              <a:solidFill>
+                <a:srgbClr val="EBEBEB">
+                  <a:alpha val="100000"/>
+                </a:srgbClr>
+              </a:solidFill>
+              <a:prstDash val="solid"/>
+              <a:round/>
+            </a:ln>
+          </p:spPr>
+          <p:txBody>
+            <a:bodyPr/>
+            <a:lstStyle/>
+            <a:p/>
+          </p:txBody>
+        </p:sp>
+        <p:sp>
+          <p:nvSpPr>
+            <p:cNvPr id="42" name="pl42"/>
+            <p:cNvSpPr/>
+            <p:nvPr/>
+          </p:nvSpPr>
+          <p:spPr>
+            <a:xfrm>
+              <a:off x="6743768" y="3989796"/>
+              <a:ext cx="2193323" cy="0"/>
+            </a:xfrm>
+            <a:custGeom>
+              <a:avLst/>
+              <a:pathLst>
+                <a:path w="2193323" h="0">
+                  <a:moveTo>
+                    <a:pt x="0" y="0"/>
+                  </a:moveTo>
+                  <a:lnTo>
+                    <a:pt x="2193323" y="0"/>
+                  </a:lnTo>
+                  <a:lnTo>
+                    <a:pt x="2193323" y="0"/>
+                  </a:lnTo>
+                </a:path>
+              </a:pathLst>
+            </a:custGeom>
+            <a:ln w="13550" cap="flat">
+              <a:solidFill>
+                <a:srgbClr val="EBEBEB">
+                  <a:alpha val="100000"/>
+                </a:srgbClr>
+              </a:solidFill>
+              <a:prstDash val="solid"/>
+              <a:round/>
+            </a:ln>
+          </p:spPr>
+          <p:txBody>
+            <a:bodyPr/>
+            <a:lstStyle/>
+            <a:p/>
+          </p:txBody>
+        </p:sp>
+        <p:sp>
+          <p:nvSpPr>
+            <p:cNvPr id="43" name="pl43"/>
+            <p:cNvSpPr/>
+            <p:nvPr/>
+          </p:nvSpPr>
+          <p:spPr>
+            <a:xfrm>
+              <a:off x="6743768" y="2862991"/>
+              <a:ext cx="2193323" cy="0"/>
+            </a:xfrm>
+            <a:custGeom>
+              <a:avLst/>
+              <a:pathLst>
+                <a:path w="2193323" h="0">
+                  <a:moveTo>
+                    <a:pt x="0" y="0"/>
+                  </a:moveTo>
+                  <a:lnTo>
+                    <a:pt x="2193323" y="0"/>
+                  </a:lnTo>
+                  <a:lnTo>
+                    <a:pt x="2193323" y="0"/>
+                  </a:lnTo>
+                </a:path>
+              </a:pathLst>
+            </a:custGeom>
+            <a:ln w="13550" cap="flat">
+              <a:solidFill>
+                <a:srgbClr val="EBEBEB">
+                  <a:alpha val="100000"/>
+                </a:srgbClr>
+              </a:solidFill>
+              <a:prstDash val="solid"/>
+              <a:round/>
+            </a:ln>
+          </p:spPr>
+          <p:txBody>
+            <a:bodyPr/>
+            <a:lstStyle/>
+            <a:p/>
+          </p:txBody>
+        </p:sp>
+        <p:sp>
+          <p:nvSpPr>
+            <p:cNvPr id="44" name="pl44"/>
+            <p:cNvSpPr/>
+            <p:nvPr/>
+          </p:nvSpPr>
+          <p:spPr>
+            <a:xfrm>
+              <a:off x="7057100" y="1809173"/>
+              <a:ext cx="0" cy="3464924"/>
+            </a:xfrm>
+            <a:custGeom>
+              <a:avLst/>
+              <a:pathLst>
+                <a:path w="0" h="3464924">
+                  <a:moveTo>
+                    <a:pt x="0" y="3464924"/>
+                  </a:moveTo>
+                  <a:lnTo>
+                    <a:pt x="0" y="0"/>
+                  </a:lnTo>
+                  <a:lnTo>
+                    <a:pt x="0" y="0"/>
+                  </a:lnTo>
+                </a:path>
+              </a:pathLst>
+            </a:custGeom>
+            <a:ln w="13550" cap="flat">
+              <a:solidFill>
+                <a:srgbClr val="EBEBEB">
+                  <a:alpha val="100000"/>
+                </a:srgbClr>
+              </a:solidFill>
+              <a:prstDash val="solid"/>
+              <a:round/>
+            </a:ln>
+          </p:spPr>
+          <p:txBody>
+            <a:bodyPr/>
+            <a:lstStyle/>
+            <a:p/>
+          </p:txBody>
+        </p:sp>
+        <p:sp>
+          <p:nvSpPr>
+            <p:cNvPr id="45" name="pl45"/>
+            <p:cNvSpPr/>
+            <p:nvPr/>
+          </p:nvSpPr>
+          <p:spPr>
+            <a:xfrm>
+              <a:off x="7579320" y="1809173"/>
+              <a:ext cx="0" cy="3464924"/>
+            </a:xfrm>
+            <a:custGeom>
+              <a:avLst/>
+              <a:pathLst>
+                <a:path w="0" h="3464924">
+                  <a:moveTo>
+                    <a:pt x="0" y="3464924"/>
+                  </a:moveTo>
+                  <a:lnTo>
+                    <a:pt x="0" y="0"/>
+                  </a:lnTo>
+                  <a:lnTo>
+                    <a:pt x="0" y="0"/>
+                  </a:lnTo>
+                </a:path>
+              </a:pathLst>
+            </a:custGeom>
+            <a:ln w="13550" cap="flat">
+              <a:solidFill>
+                <a:srgbClr val="EBEBEB">
+                  <a:alpha val="100000"/>
+                </a:srgbClr>
+              </a:solidFill>
+              <a:prstDash val="solid"/>
+              <a:round/>
+            </a:ln>
+          </p:spPr>
+          <p:txBody>
+            <a:bodyPr/>
+            <a:lstStyle/>
+            <a:p/>
+          </p:txBody>
+        </p:sp>
+        <p:sp>
+          <p:nvSpPr>
+            <p:cNvPr id="46" name="pl46"/>
+            <p:cNvSpPr/>
+            <p:nvPr/>
+          </p:nvSpPr>
+          <p:spPr>
+            <a:xfrm>
+              <a:off x="8101540" y="1809173"/>
+              <a:ext cx="0" cy="3464924"/>
+            </a:xfrm>
+            <a:custGeom>
+              <a:avLst/>
+              <a:pathLst>
+                <a:path w="0" h="3464924">
+                  <a:moveTo>
+                    <a:pt x="0" y="3464924"/>
+                  </a:moveTo>
+                  <a:lnTo>
+                    <a:pt x="0" y="0"/>
+                  </a:lnTo>
+                  <a:lnTo>
+                    <a:pt x="0" y="0"/>
+                  </a:lnTo>
+                </a:path>
+              </a:pathLst>
+            </a:custGeom>
+            <a:ln w="13550" cap="flat">
+              <a:solidFill>
+                <a:srgbClr val="EBEBEB">
+                  <a:alpha val="100000"/>
+                </a:srgbClr>
+              </a:solidFill>
+              <a:prstDash val="solid"/>
+              <a:round/>
+            </a:ln>
+          </p:spPr>
+          <p:txBody>
+            <a:bodyPr/>
+            <a:lstStyle/>
+            <a:p/>
+          </p:txBody>
+        </p:sp>
+        <p:sp>
+          <p:nvSpPr>
+            <p:cNvPr id="47" name="pl47"/>
+            <p:cNvSpPr/>
+            <p:nvPr/>
+          </p:nvSpPr>
+          <p:spPr>
+            <a:xfrm>
+              <a:off x="8623760" y="1809173"/>
+              <a:ext cx="0" cy="3464924"/>
+            </a:xfrm>
+            <a:custGeom>
+              <a:avLst/>
+              <a:pathLst>
+                <a:path w="0" h="3464924">
+                  <a:moveTo>
+                    <a:pt x="0" y="3464924"/>
+                  </a:moveTo>
+                  <a:lnTo>
+                    <a:pt x="0" y="0"/>
+                  </a:lnTo>
+                  <a:lnTo>
+                    <a:pt x="0" y="0"/>
+                  </a:lnTo>
+                </a:path>
+              </a:pathLst>
+            </a:custGeom>
+            <a:ln w="13550" cap="flat">
+              <a:solidFill>
+                <a:srgbClr val="EBEBEB">
+                  <a:alpha val="100000"/>
+                </a:srgbClr>
+              </a:solidFill>
+              <a:prstDash val="solid"/>
+              <a:round/>
+            </a:ln>
+          </p:spPr>
+          <p:txBody>
+            <a:bodyPr/>
+            <a:lstStyle/>
+            <a:p/>
+          </p:txBody>
+        </p:sp>
+        <p:sp>
+          <p:nvSpPr>
+            <p:cNvPr id="48" name="rc48"/>
+            <p:cNvSpPr/>
+            <p:nvPr/>
+          </p:nvSpPr>
+          <p:spPr>
+            <a:xfrm>
+              <a:off x="8388761" y="3997019"/>
+              <a:ext cx="469997" cy="1119581"/>
+            </a:xfrm>
+            <a:prstGeom prst="rect">
+              <a:avLst/>
+            </a:prstGeom>
+            <a:solidFill>
+              <a:srgbClr val="CB181D">
+                <a:alpha val="100000"/>
+              </a:srgbClr>
+            </a:solidFill>
+          </p:spPr>
+          <p:txBody>
+            <a:bodyPr/>
+            <a:lstStyle/>
+            <a:p/>
+          </p:txBody>
+        </p:sp>
+        <p:sp>
+          <p:nvSpPr>
+            <p:cNvPr id="49" name="rc49"/>
+            <p:cNvSpPr/>
+            <p:nvPr/>
+          </p:nvSpPr>
+          <p:spPr>
+            <a:xfrm>
+              <a:off x="7344321" y="2191242"/>
+              <a:ext cx="469997" cy="2925358"/>
+            </a:xfrm>
+            <a:prstGeom prst="rect">
+              <a:avLst/>
+            </a:prstGeom>
+            <a:solidFill>
+              <a:srgbClr val="FCAE91">
+                <a:alpha val="100000"/>
+              </a:srgbClr>
+            </a:solidFill>
+          </p:spPr>
+          <p:txBody>
+            <a:bodyPr/>
+            <a:lstStyle/>
+            <a:p/>
+          </p:txBody>
+        </p:sp>
+        <p:sp>
+          <p:nvSpPr>
+            <p:cNvPr id="50" name="rc50"/>
+            <p:cNvSpPr/>
+            <p:nvPr/>
+          </p:nvSpPr>
+          <p:spPr>
+            <a:xfrm>
+              <a:off x="7866541" y="4141481"/>
+              <a:ext cx="469997" cy="975119"/>
+            </a:xfrm>
+            <a:prstGeom prst="rect">
+              <a:avLst/>
+            </a:prstGeom>
+            <a:solidFill>
+              <a:srgbClr val="FB6A4A">
+                <a:alpha val="100000"/>
+              </a:srgbClr>
+            </a:solidFill>
+          </p:spPr>
+          <p:txBody>
+            <a:bodyPr/>
+            <a:lstStyle/>
+            <a:p/>
+          </p:txBody>
+        </p:sp>
+        <p:sp>
+          <p:nvSpPr>
+            <p:cNvPr id="51" name="rc51"/>
+            <p:cNvSpPr/>
+            <p:nvPr/>
+          </p:nvSpPr>
+          <p:spPr>
+            <a:xfrm>
+              <a:off x="6822101" y="4502636"/>
+              <a:ext cx="469997" cy="613964"/>
+            </a:xfrm>
+            <a:prstGeom prst="rect">
+              <a:avLst/>
+            </a:prstGeom>
+            <a:solidFill>
+              <a:srgbClr val="FEE5D9">
+                <a:alpha val="100000"/>
+              </a:srgbClr>
+            </a:solidFill>
+          </p:spPr>
+          <p:txBody>
+            <a:bodyPr/>
+            <a:lstStyle/>
+            <a:p/>
+          </p:txBody>
+        </p:sp>
+        <p:sp>
+          <p:nvSpPr>
+            <p:cNvPr id="52" name="rc52"/>
+            <p:cNvSpPr/>
+            <p:nvPr/>
+          </p:nvSpPr>
+          <p:spPr>
+            <a:xfrm>
+              <a:off x="6743768" y="1809173"/>
+              <a:ext cx="2193323" cy="3464924"/>
+            </a:xfrm>
+            <a:prstGeom prst="rect">
+              <a:avLst/>
+            </a:prstGeom>
+            <a:ln w="13550" cap="rnd">
+              <a:solidFill>
+                <a:srgbClr val="333333">
+                  <a:alpha val="100000"/>
+                </a:srgbClr>
+              </a:solidFill>
+              <a:prstDash val="solid"/>
+              <a:round/>
+            </a:ln>
+          </p:spPr>
+          <p:txBody>
+            <a:bodyPr/>
+            <a:lstStyle/>
+            <a:p/>
+          </p:txBody>
+        </p:sp>
+        <p:sp>
+          <p:nvSpPr>
+            <p:cNvPr id="53" name="rc53"/>
+            <p:cNvSpPr/>
+            <p:nvPr/>
+          </p:nvSpPr>
+          <p:spPr>
+            <a:xfrm>
+              <a:off x="2217943" y="1590617"/>
+              <a:ext cx="2193323" cy="218555"/>
+            </a:xfrm>
+            <a:prstGeom prst="rect">
+              <a:avLst/>
+            </a:prstGeom>
+            <a:solidFill>
+              <a:srgbClr val="D9D9D9">
+                <a:alpha val="100000"/>
+              </a:srgbClr>
+            </a:solidFill>
+            <a:ln w="13550" cap="rnd">
+              <a:solidFill>
+                <a:srgbClr val="333333">
+                  <a:alpha val="100000"/>
+                </a:srgbClr>
+              </a:solidFill>
+              <a:prstDash val="solid"/>
+              <a:round/>
+            </a:ln>
+          </p:spPr>
+          <p:txBody>
+            <a:bodyPr/>
+            <a:lstStyle/>
+            <a:p/>
+          </p:txBody>
+        </p:sp>
+        <p:sp>
+          <p:nvSpPr>
+            <p:cNvPr id="54" name="tx54"/>
+            <p:cNvSpPr/>
+            <p:nvPr/>
+          </p:nvSpPr>
+          <p:spPr>
+            <a:xfrm>
+              <a:off x="3105055" y="1670045"/>
+              <a:ext cx="419100" cy="69850"/>
             </a:xfrm>
             <a:prstGeom prst="rect">
               <a:avLst/>
@@ -4608,30 +5021,65 @@
                 </a:spcAft>
               </a:pPr>
               <a:r>
-                <a:rPr sz="880" b="1">
+                <a:rPr sz="880">
                   <a:solidFill>
-                    <a:srgbClr val="4D4D4D">
+                    <a:srgbClr val="1A1A1A">
                       <a:alpha val="100000"/>
                     </a:srgbClr>
                   </a:solidFill>
                   <a:latin typeface="Arial"/>
                   <a:cs typeface="Arial"/>
                 </a:rPr>
-                <a:t>9</a:t>
+                <a:t>基础研究者</a:t>
               </a:r>
             </a:p>
           </p:txBody>
         </p:sp>
         <p:sp>
           <p:nvSpPr>
-            <p:cNvPr id="42" name="tx42"/>
-            <p:cNvSpPr/>
-            <p:nvPr/>
-          </p:nvSpPr>
-          <p:spPr>
-            <a:xfrm>
-              <a:off x="1926599" y="4893127"/>
-              <a:ext cx="62155" cy="81746"/>
+            <p:cNvPr id="55" name="rc55"/>
+            <p:cNvSpPr/>
+            <p:nvPr/>
+          </p:nvSpPr>
+          <p:spPr>
+            <a:xfrm>
+              <a:off x="4480856" y="1590617"/>
+              <a:ext cx="2193323" cy="218555"/>
+            </a:xfrm>
+            <a:prstGeom prst="rect">
+              <a:avLst/>
+            </a:prstGeom>
+            <a:solidFill>
+              <a:srgbClr val="D9D9D9">
+                <a:alpha val="100000"/>
+              </a:srgbClr>
+            </a:solidFill>
+            <a:ln w="13550" cap="rnd">
+              <a:solidFill>
+                <a:srgbClr val="333333">
+                  <a:alpha val="100000"/>
+                </a:srgbClr>
+              </a:solidFill>
+              <a:prstDash val="solid"/>
+              <a:round/>
+            </a:ln>
+          </p:spPr>
+          <p:txBody>
+            <a:bodyPr/>
+            <a:lstStyle/>
+            <a:p/>
+          </p:txBody>
+        </p:sp>
+        <p:sp>
+          <p:nvSpPr>
+            <p:cNvPr id="56" name="tx56"/>
+            <p:cNvSpPr/>
+            <p:nvPr/>
+          </p:nvSpPr>
+          <p:spPr>
+            <a:xfrm>
+              <a:off x="5409878" y="1670045"/>
+              <a:ext cx="335280" cy="69850"/>
             </a:xfrm>
             <a:prstGeom prst="rect">
               <a:avLst/>
@@ -4654,30 +5102,65 @@
                 </a:spcAft>
               </a:pPr>
               <a:r>
-                <a:rPr sz="880" b="1">
+                <a:rPr sz="880">
                   <a:solidFill>
-                    <a:srgbClr val="4D4D4D">
+                    <a:srgbClr val="1A1A1A">
                       <a:alpha val="100000"/>
                     </a:srgbClr>
                   </a:solidFill>
                   <a:latin typeface="Arial"/>
                   <a:cs typeface="Arial"/>
                 </a:rPr>
-                <a:t>8</a:t>
+                <a:t>临床医生</a:t>
               </a:r>
             </a:p>
           </p:txBody>
         </p:sp>
         <p:sp>
           <p:nvSpPr>
-            <p:cNvPr id="43" name="tx43"/>
-            <p:cNvSpPr/>
-            <p:nvPr/>
-          </p:nvSpPr>
-          <p:spPr>
-            <a:xfrm>
-              <a:off x="1926599" y="4455931"/>
-              <a:ext cx="62155" cy="78908"/>
+            <p:cNvPr id="57" name="rc57"/>
+            <p:cNvSpPr/>
+            <p:nvPr/>
+          </p:nvSpPr>
+          <p:spPr>
+            <a:xfrm>
+              <a:off x="6743768" y="1590617"/>
+              <a:ext cx="2193323" cy="218555"/>
+            </a:xfrm>
+            <a:prstGeom prst="rect">
+              <a:avLst/>
+            </a:prstGeom>
+            <a:solidFill>
+              <a:srgbClr val="D9D9D9">
+                <a:alpha val="100000"/>
+              </a:srgbClr>
+            </a:solidFill>
+            <a:ln w="13550" cap="rnd">
+              <a:solidFill>
+                <a:srgbClr val="333333">
+                  <a:alpha val="100000"/>
+                </a:srgbClr>
+              </a:solidFill>
+              <a:prstDash val="solid"/>
+              <a:round/>
+            </a:ln>
+          </p:spPr>
+          <p:txBody>
+            <a:bodyPr/>
+            <a:lstStyle/>
+            <a:p/>
+          </p:txBody>
+        </p:sp>
+        <p:sp>
+          <p:nvSpPr>
+            <p:cNvPr id="58" name="tx58"/>
+            <p:cNvSpPr/>
+            <p:nvPr/>
+          </p:nvSpPr>
+          <p:spPr>
+            <a:xfrm>
+              <a:off x="7672790" y="1670045"/>
+              <a:ext cx="335280" cy="69850"/>
             </a:xfrm>
             <a:prstGeom prst="rect">
               <a:avLst/>
@@ -4700,323 +5183,47 @@
                 </a:spcAft>
               </a:pPr>
               <a:r>
-                <a:rPr sz="880" b="1">
+                <a:rPr sz="880">
                   <a:solidFill>
-                    <a:srgbClr val="4D4D4D">
+                    <a:srgbClr val="1A1A1A">
                       <a:alpha val="100000"/>
                     </a:srgbClr>
                   </a:solidFill>
                   <a:latin typeface="Arial"/>
                   <a:cs typeface="Arial"/>
                 </a:rPr>
-                <a:t>7</a:t>
+                <a:t>企业人员</a:t>
               </a:r>
             </a:p>
           </p:txBody>
         </p:sp>
         <p:sp>
           <p:nvSpPr>
-            <p:cNvPr id="44" name="tx44"/>
-            <p:cNvSpPr/>
-            <p:nvPr/>
-          </p:nvSpPr>
-          <p:spPr>
-            <a:xfrm>
-              <a:off x="1926599" y="4013114"/>
-              <a:ext cx="62155" cy="81691"/>
-            </a:xfrm>
-            <a:prstGeom prst="rect">
-              <a:avLst/>
-            </a:prstGeom>
-            <a:noFill/>
-          </p:spPr>
-          <p:txBody>
-            <a:bodyPr lIns="0" rIns="0" tIns="0" bIns="0" anchorCtr="1" anchor="ctr" wrap="none"/>
-            <a:lstStyle/>
-            <a:p>
-              <a:pPr algn="l" marL="0" marR="0" indent="0">
-                <a:lnSpc>
-                  <a:spcPts val="880"/>
-                </a:lnSpc>
-                <a:spcBef>
-                  <a:spcPts val="0"/>
-                </a:spcBef>
-                <a:spcAft>
-                  <a:spcPts val="0"/>
-                </a:spcAft>
-              </a:pPr>
-              <a:r>
-                <a:rPr sz="880" b="1">
-                  <a:solidFill>
-                    <a:srgbClr val="4D4D4D">
-                      <a:alpha val="100000"/>
-                    </a:srgbClr>
-                  </a:solidFill>
-                  <a:latin typeface="Arial"/>
-                  <a:cs typeface="Arial"/>
-                </a:rPr>
-                <a:t>6</a:t>
-              </a:r>
-            </a:p>
-          </p:txBody>
-        </p:sp>
-        <p:sp>
-          <p:nvSpPr>
-            <p:cNvPr id="45" name="tx45"/>
-            <p:cNvSpPr/>
-            <p:nvPr/>
-          </p:nvSpPr>
-          <p:spPr>
-            <a:xfrm>
-              <a:off x="1926599" y="3574499"/>
-              <a:ext cx="62155" cy="80272"/>
-            </a:xfrm>
-            <a:prstGeom prst="rect">
-              <a:avLst/>
-            </a:prstGeom>
-            <a:noFill/>
-          </p:spPr>
-          <p:txBody>
-            <a:bodyPr lIns="0" rIns="0" tIns="0" bIns="0" anchorCtr="1" anchor="ctr" wrap="none"/>
-            <a:lstStyle/>
-            <a:p>
-              <a:pPr algn="l" marL="0" marR="0" indent="0">
-                <a:lnSpc>
-                  <a:spcPts val="880"/>
-                </a:lnSpc>
-                <a:spcBef>
-                  <a:spcPts val="0"/>
-                </a:spcBef>
-                <a:spcAft>
-                  <a:spcPts val="0"/>
-                </a:spcAft>
-              </a:pPr>
-              <a:r>
-                <a:rPr sz="880" b="1">
-                  <a:solidFill>
-                    <a:srgbClr val="4D4D4D">
-                      <a:alpha val="100000"/>
-                    </a:srgbClr>
-                  </a:solidFill>
-                  <a:latin typeface="Arial"/>
-                  <a:cs typeface="Arial"/>
-                </a:rPr>
-                <a:t>5</a:t>
-              </a:r>
-            </a:p>
-          </p:txBody>
-        </p:sp>
-        <p:sp>
-          <p:nvSpPr>
-            <p:cNvPr id="46" name="tx46"/>
-            <p:cNvSpPr/>
-            <p:nvPr/>
-          </p:nvSpPr>
-          <p:spPr>
-            <a:xfrm>
-              <a:off x="1926599" y="3134411"/>
-              <a:ext cx="62155" cy="80327"/>
-            </a:xfrm>
-            <a:prstGeom prst="rect">
-              <a:avLst/>
-            </a:prstGeom>
-            <a:noFill/>
-          </p:spPr>
-          <p:txBody>
-            <a:bodyPr lIns="0" rIns="0" tIns="0" bIns="0" anchorCtr="1" anchor="ctr" wrap="none"/>
-            <a:lstStyle/>
-            <a:p>
-              <a:pPr algn="l" marL="0" marR="0" indent="0">
-                <a:lnSpc>
-                  <a:spcPts val="880"/>
-                </a:lnSpc>
-                <a:spcBef>
-                  <a:spcPts val="0"/>
-                </a:spcBef>
-                <a:spcAft>
-                  <a:spcPts val="0"/>
-                </a:spcAft>
-              </a:pPr>
-              <a:r>
-                <a:rPr sz="880" b="1">
-                  <a:solidFill>
-                    <a:srgbClr val="4D4D4D">
-                      <a:alpha val="100000"/>
-                    </a:srgbClr>
-                  </a:solidFill>
-                  <a:latin typeface="Arial"/>
-                  <a:cs typeface="Arial"/>
-                </a:rPr>
-                <a:t>4</a:t>
-              </a:r>
-            </a:p>
-          </p:txBody>
-        </p:sp>
-        <p:sp>
-          <p:nvSpPr>
-            <p:cNvPr id="47" name="tx47"/>
-            <p:cNvSpPr/>
-            <p:nvPr/>
-          </p:nvSpPr>
-          <p:spPr>
-            <a:xfrm>
-              <a:off x="1926599" y="2693013"/>
-              <a:ext cx="62155" cy="81691"/>
-            </a:xfrm>
-            <a:prstGeom prst="rect">
-              <a:avLst/>
-            </a:prstGeom>
-            <a:noFill/>
-          </p:spPr>
-          <p:txBody>
-            <a:bodyPr lIns="0" rIns="0" tIns="0" bIns="0" anchorCtr="1" anchor="ctr" wrap="none"/>
-            <a:lstStyle/>
-            <a:p>
-              <a:pPr algn="l" marL="0" marR="0" indent="0">
-                <a:lnSpc>
-                  <a:spcPts val="880"/>
-                </a:lnSpc>
-                <a:spcBef>
-                  <a:spcPts val="0"/>
-                </a:spcBef>
-                <a:spcAft>
-                  <a:spcPts val="0"/>
-                </a:spcAft>
-              </a:pPr>
-              <a:r>
-                <a:rPr sz="880" b="1">
-                  <a:solidFill>
-                    <a:srgbClr val="4D4D4D">
-                      <a:alpha val="100000"/>
-                    </a:srgbClr>
-                  </a:solidFill>
-                  <a:latin typeface="Arial"/>
-                  <a:cs typeface="Arial"/>
-                </a:rPr>
-                <a:t>3</a:t>
-              </a:r>
-            </a:p>
-          </p:txBody>
-        </p:sp>
-        <p:sp>
-          <p:nvSpPr>
-            <p:cNvPr id="48" name="tx48"/>
-            <p:cNvSpPr/>
-            <p:nvPr/>
-          </p:nvSpPr>
-          <p:spPr>
-            <a:xfrm>
-              <a:off x="1926599" y="2254343"/>
-              <a:ext cx="62155" cy="80327"/>
-            </a:xfrm>
-            <a:prstGeom prst="rect">
-              <a:avLst/>
-            </a:prstGeom>
-            <a:noFill/>
-          </p:spPr>
-          <p:txBody>
-            <a:bodyPr lIns="0" rIns="0" tIns="0" bIns="0" anchorCtr="1" anchor="ctr" wrap="none"/>
-            <a:lstStyle/>
-            <a:p>
-              <a:pPr algn="l" marL="0" marR="0" indent="0">
-                <a:lnSpc>
-                  <a:spcPts val="880"/>
-                </a:lnSpc>
-                <a:spcBef>
-                  <a:spcPts val="0"/>
-                </a:spcBef>
-                <a:spcAft>
-                  <a:spcPts val="0"/>
-                </a:spcAft>
-              </a:pPr>
-              <a:r>
-                <a:rPr sz="880" b="1">
-                  <a:solidFill>
-                    <a:srgbClr val="4D4D4D">
-                      <a:alpha val="100000"/>
-                    </a:srgbClr>
-                  </a:solidFill>
-                  <a:latin typeface="Arial"/>
-                  <a:cs typeface="Arial"/>
-                </a:rPr>
-                <a:t>2</a:t>
-              </a:r>
-            </a:p>
-          </p:txBody>
-        </p:sp>
-        <p:sp>
-          <p:nvSpPr>
-            <p:cNvPr id="49" name="tx49"/>
-            <p:cNvSpPr/>
-            <p:nvPr/>
-          </p:nvSpPr>
-          <p:spPr>
-            <a:xfrm>
-              <a:off x="1926599" y="1814310"/>
-              <a:ext cx="62155" cy="80327"/>
-            </a:xfrm>
-            <a:prstGeom prst="rect">
-              <a:avLst/>
-            </a:prstGeom>
-            <a:noFill/>
-          </p:spPr>
-          <p:txBody>
-            <a:bodyPr lIns="0" rIns="0" tIns="0" bIns="0" anchorCtr="1" anchor="ctr" wrap="none"/>
-            <a:lstStyle/>
-            <a:p>
-              <a:pPr algn="l" marL="0" marR="0" indent="0">
-                <a:lnSpc>
-                  <a:spcPts val="880"/>
-                </a:lnSpc>
-                <a:spcBef>
-                  <a:spcPts val="0"/>
-                </a:spcBef>
-                <a:spcAft>
-                  <a:spcPts val="0"/>
-                </a:spcAft>
-              </a:pPr>
-              <a:r>
-                <a:rPr sz="880" b="1">
-                  <a:solidFill>
-                    <a:srgbClr val="4D4D4D">
-                      <a:alpha val="100000"/>
-                    </a:srgbClr>
-                  </a:solidFill>
-                  <a:latin typeface="Arial"/>
-                  <a:cs typeface="Arial"/>
-                </a:rPr>
-                <a:t>1</a:t>
-              </a:r>
-            </a:p>
-          </p:txBody>
-        </p:sp>
-        <p:sp>
-          <p:nvSpPr>
-            <p:cNvPr id="50" name="pl50"/>
-            <p:cNvSpPr/>
-            <p:nvPr/>
-          </p:nvSpPr>
-          <p:spPr>
-            <a:xfrm>
-              <a:off x="1988754" y="5374907"/>
-              <a:ext cx="34794" cy="0"/>
+            <p:cNvPr id="59" name="pl59"/>
+            <p:cNvSpPr/>
+            <p:nvPr/>
+          </p:nvSpPr>
+          <p:spPr>
+            <a:xfrm>
+              <a:off x="2531275" y="5274097"/>
+              <a:ext cx="0" cy="34794"/>
             </a:xfrm>
             <a:custGeom>
               <a:avLst/>
               <a:pathLst>
-                <a:path w="34794" h="0">
+                <a:path w="0" h="34794">
                   <a:moveTo>
+                    <a:pt x="0" y="34794"/>
+                  </a:moveTo>
+                  <a:lnTo>
                     <a:pt x="0" y="0"/>
-                  </a:moveTo>
-                  <a:lnTo>
-                    <a:pt x="34794" y="0"/>
                   </a:lnTo>
                 </a:path>
               </a:pathLst>
             </a:custGeom>
-            <a:ln w="6775" cap="flat">
+            <a:ln w="13550" cap="flat">
               <a:solidFill>
-                <a:srgbClr val="B3B3B3">
+                <a:srgbClr val="333333">
                   <a:alpha val="100000"/>
                 </a:srgbClr>
               </a:solidFill>
@@ -5032,31 +5239,31 @@
         </p:sp>
         <p:sp>
           <p:nvSpPr>
-            <p:cNvPr id="51" name="pl51"/>
-            <p:cNvSpPr/>
-            <p:nvPr/>
-          </p:nvSpPr>
-          <p:spPr>
-            <a:xfrm>
-              <a:off x="1988754" y="4934873"/>
-              <a:ext cx="34794" cy="0"/>
+            <p:cNvPr id="60" name="pl60"/>
+            <p:cNvSpPr/>
+            <p:nvPr/>
+          </p:nvSpPr>
+          <p:spPr>
+            <a:xfrm>
+              <a:off x="3053495" y="5274097"/>
+              <a:ext cx="0" cy="34794"/>
             </a:xfrm>
             <a:custGeom>
               <a:avLst/>
               <a:pathLst>
-                <a:path w="34794" h="0">
+                <a:path w="0" h="34794">
                   <a:moveTo>
+                    <a:pt x="0" y="34794"/>
+                  </a:moveTo>
+                  <a:lnTo>
                     <a:pt x="0" y="0"/>
-                  </a:moveTo>
-                  <a:lnTo>
-                    <a:pt x="34794" y="0"/>
                   </a:lnTo>
                 </a:path>
               </a:pathLst>
             </a:custGeom>
-            <a:ln w="6775" cap="flat">
+            <a:ln w="13550" cap="flat">
               <a:solidFill>
-                <a:srgbClr val="B3B3B3">
+                <a:srgbClr val="333333">
                   <a:alpha val="100000"/>
                 </a:srgbClr>
               </a:solidFill>
@@ -5072,31 +5279,31 @@
         </p:sp>
         <p:sp>
           <p:nvSpPr>
-            <p:cNvPr id="52" name="pl52"/>
-            <p:cNvSpPr/>
-            <p:nvPr/>
-          </p:nvSpPr>
-          <p:spPr>
-            <a:xfrm>
-              <a:off x="1988754" y="4494840"/>
-              <a:ext cx="34794" cy="0"/>
+            <p:cNvPr id="61" name="pl61"/>
+            <p:cNvSpPr/>
+            <p:nvPr/>
+          </p:nvSpPr>
+          <p:spPr>
+            <a:xfrm>
+              <a:off x="3575715" y="5274097"/>
+              <a:ext cx="0" cy="34794"/>
             </a:xfrm>
             <a:custGeom>
               <a:avLst/>
               <a:pathLst>
-                <a:path w="34794" h="0">
+                <a:path w="0" h="34794">
                   <a:moveTo>
+                    <a:pt x="0" y="34794"/>
+                  </a:moveTo>
+                  <a:lnTo>
                     <a:pt x="0" y="0"/>
-                  </a:moveTo>
-                  <a:lnTo>
-                    <a:pt x="34794" y="0"/>
                   </a:lnTo>
                 </a:path>
               </a:pathLst>
             </a:custGeom>
-            <a:ln w="6775" cap="flat">
+            <a:ln w="13550" cap="flat">
               <a:solidFill>
-                <a:srgbClr val="B3B3B3">
+                <a:srgbClr val="333333">
                   <a:alpha val="100000"/>
                 </a:srgbClr>
               </a:solidFill>
@@ -5112,31 +5319,31 @@
         </p:sp>
         <p:sp>
           <p:nvSpPr>
-            <p:cNvPr id="53" name="pl53"/>
-            <p:cNvSpPr/>
-            <p:nvPr/>
-          </p:nvSpPr>
-          <p:spPr>
-            <a:xfrm>
-              <a:off x="1988754" y="4054806"/>
-              <a:ext cx="34794" cy="0"/>
+            <p:cNvPr id="62" name="pl62"/>
+            <p:cNvSpPr/>
+            <p:nvPr/>
+          </p:nvSpPr>
+          <p:spPr>
+            <a:xfrm>
+              <a:off x="4097935" y="5274097"/>
+              <a:ext cx="0" cy="34794"/>
             </a:xfrm>
             <a:custGeom>
               <a:avLst/>
               <a:pathLst>
-                <a:path w="34794" h="0">
+                <a:path w="0" h="34794">
                   <a:moveTo>
+                    <a:pt x="0" y="34794"/>
+                  </a:moveTo>
+                  <a:lnTo>
                     <a:pt x="0" y="0"/>
-                  </a:moveTo>
-                  <a:lnTo>
-                    <a:pt x="34794" y="0"/>
                   </a:lnTo>
                 </a:path>
               </a:pathLst>
             </a:custGeom>
-            <a:ln w="6775" cap="flat">
+            <a:ln w="13550" cap="flat">
               <a:solidFill>
-                <a:srgbClr val="B3B3B3">
+                <a:srgbClr val="333333">
                   <a:alpha val="100000"/>
                 </a:srgbClr>
               </a:solidFill>
@@ -5152,31 +5359,31 @@
         </p:sp>
         <p:sp>
           <p:nvSpPr>
-            <p:cNvPr id="54" name="pl54"/>
-            <p:cNvSpPr/>
-            <p:nvPr/>
-          </p:nvSpPr>
-          <p:spPr>
-            <a:xfrm>
-              <a:off x="1988754" y="3614772"/>
-              <a:ext cx="34794" cy="0"/>
+            <p:cNvPr id="63" name="pl63"/>
+            <p:cNvSpPr/>
+            <p:nvPr/>
+          </p:nvSpPr>
+          <p:spPr>
+            <a:xfrm>
+              <a:off x="4794188" y="5274097"/>
+              <a:ext cx="0" cy="34794"/>
             </a:xfrm>
             <a:custGeom>
               <a:avLst/>
               <a:pathLst>
-                <a:path w="34794" h="0">
+                <a:path w="0" h="34794">
                   <a:moveTo>
+                    <a:pt x="0" y="34794"/>
+                  </a:moveTo>
+                  <a:lnTo>
                     <a:pt x="0" y="0"/>
-                  </a:moveTo>
-                  <a:lnTo>
-                    <a:pt x="34794" y="0"/>
                   </a:lnTo>
                 </a:path>
               </a:pathLst>
             </a:custGeom>
-            <a:ln w="6775" cap="flat">
+            <a:ln w="13550" cap="flat">
               <a:solidFill>
-                <a:srgbClr val="B3B3B3">
+                <a:srgbClr val="333333">
                   <a:alpha val="100000"/>
                 </a:srgbClr>
               </a:solidFill>
@@ -5192,31 +5399,31 @@
         </p:sp>
         <p:sp>
           <p:nvSpPr>
-            <p:cNvPr id="55" name="pl55"/>
-            <p:cNvSpPr/>
-            <p:nvPr/>
-          </p:nvSpPr>
-          <p:spPr>
-            <a:xfrm>
-              <a:off x="1988754" y="3174738"/>
-              <a:ext cx="34794" cy="0"/>
+            <p:cNvPr id="64" name="pl64"/>
+            <p:cNvSpPr/>
+            <p:nvPr/>
+          </p:nvSpPr>
+          <p:spPr>
+            <a:xfrm>
+              <a:off x="5316408" y="5274097"/>
+              <a:ext cx="0" cy="34794"/>
             </a:xfrm>
             <a:custGeom>
               <a:avLst/>
               <a:pathLst>
-                <a:path w="34794" h="0">
+                <a:path w="0" h="34794">
                   <a:moveTo>
+                    <a:pt x="0" y="34794"/>
+                  </a:moveTo>
+                  <a:lnTo>
                     <a:pt x="0" y="0"/>
-                  </a:moveTo>
-                  <a:lnTo>
-                    <a:pt x="34794" y="0"/>
                   </a:lnTo>
                 </a:path>
               </a:pathLst>
             </a:custGeom>
-            <a:ln w="6775" cap="flat">
+            <a:ln w="13550" cap="flat">
               <a:solidFill>
-                <a:srgbClr val="B3B3B3">
+                <a:srgbClr val="333333">
                   <a:alpha val="100000"/>
                 </a:srgbClr>
               </a:solidFill>
@@ -5232,31 +5439,31 @@
         </p:sp>
         <p:sp>
           <p:nvSpPr>
-            <p:cNvPr id="56" name="pl56"/>
-            <p:cNvSpPr/>
-            <p:nvPr/>
-          </p:nvSpPr>
-          <p:spPr>
-            <a:xfrm>
-              <a:off x="1988754" y="2734705"/>
-              <a:ext cx="34794" cy="0"/>
+            <p:cNvPr id="65" name="pl65"/>
+            <p:cNvSpPr/>
+            <p:nvPr/>
+          </p:nvSpPr>
+          <p:spPr>
+            <a:xfrm>
+              <a:off x="5838627" y="5274097"/>
+              <a:ext cx="0" cy="34794"/>
             </a:xfrm>
             <a:custGeom>
               <a:avLst/>
               <a:pathLst>
-                <a:path w="34794" h="0">
+                <a:path w="0" h="34794">
                   <a:moveTo>
+                    <a:pt x="0" y="34794"/>
+                  </a:moveTo>
+                  <a:lnTo>
                     <a:pt x="0" y="0"/>
-                  </a:moveTo>
-                  <a:lnTo>
-                    <a:pt x="34794" y="0"/>
                   </a:lnTo>
                 </a:path>
               </a:pathLst>
             </a:custGeom>
-            <a:ln w="6775" cap="flat">
+            <a:ln w="13550" cap="flat">
               <a:solidFill>
-                <a:srgbClr val="B3B3B3">
+                <a:srgbClr val="333333">
                   <a:alpha val="100000"/>
                 </a:srgbClr>
               </a:solidFill>
@@ -5272,31 +5479,31 @@
         </p:sp>
         <p:sp>
           <p:nvSpPr>
-            <p:cNvPr id="57" name="pl57"/>
-            <p:cNvSpPr/>
-            <p:nvPr/>
-          </p:nvSpPr>
-          <p:spPr>
-            <a:xfrm>
-              <a:off x="1988754" y="2294671"/>
-              <a:ext cx="34794" cy="0"/>
+            <p:cNvPr id="66" name="pl66"/>
+            <p:cNvSpPr/>
+            <p:nvPr/>
+          </p:nvSpPr>
+          <p:spPr>
+            <a:xfrm>
+              <a:off x="6360847" y="5274097"/>
+              <a:ext cx="0" cy="34794"/>
             </a:xfrm>
             <a:custGeom>
               <a:avLst/>
               <a:pathLst>
-                <a:path w="34794" h="0">
+                <a:path w="0" h="34794">
                   <a:moveTo>
+                    <a:pt x="0" y="34794"/>
+                  </a:moveTo>
+                  <a:lnTo>
                     <a:pt x="0" y="0"/>
-                  </a:moveTo>
-                  <a:lnTo>
-                    <a:pt x="34794" y="0"/>
                   </a:lnTo>
                 </a:path>
               </a:pathLst>
             </a:custGeom>
-            <a:ln w="6775" cap="flat">
+            <a:ln w="13550" cap="flat">
               <a:solidFill>
-                <a:srgbClr val="B3B3B3">
+                <a:srgbClr val="333333">
                   <a:alpha val="100000"/>
                 </a:srgbClr>
               </a:solidFill>
@@ -5312,31 +5519,31 @@
         </p:sp>
         <p:sp>
           <p:nvSpPr>
-            <p:cNvPr id="58" name="pl58"/>
-            <p:cNvSpPr/>
-            <p:nvPr/>
-          </p:nvSpPr>
-          <p:spPr>
-            <a:xfrm>
-              <a:off x="1988754" y="1854637"/>
-              <a:ext cx="34794" cy="0"/>
+            <p:cNvPr id="67" name="pl67"/>
+            <p:cNvSpPr/>
+            <p:nvPr/>
+          </p:nvSpPr>
+          <p:spPr>
+            <a:xfrm>
+              <a:off x="7057100" y="5274097"/>
+              <a:ext cx="0" cy="34794"/>
             </a:xfrm>
             <a:custGeom>
               <a:avLst/>
               <a:pathLst>
-                <a:path w="34794" h="0">
+                <a:path w="0" h="34794">
                   <a:moveTo>
+                    <a:pt x="0" y="34794"/>
+                  </a:moveTo>
+                  <a:lnTo>
                     <a:pt x="0" y="0"/>
-                  </a:moveTo>
-                  <a:lnTo>
-                    <a:pt x="34794" y="0"/>
                   </a:lnTo>
                 </a:path>
               </a:pathLst>
             </a:custGeom>
-            <a:ln w="6775" cap="flat">
+            <a:ln w="13550" cap="flat">
               <a:solidFill>
-                <a:srgbClr val="B3B3B3">
+                <a:srgbClr val="333333">
                   <a:alpha val="100000"/>
                 </a:srgbClr>
               </a:solidFill>
@@ -5352,13 +5559,13 @@
         </p:sp>
         <p:sp>
           <p:nvSpPr>
-            <p:cNvPr id="59" name="pl59"/>
-            <p:cNvSpPr/>
-            <p:nvPr/>
-          </p:nvSpPr>
-          <p:spPr>
-            <a:xfrm>
-              <a:off x="2023549" y="5638927"/>
+            <p:cNvPr id="68" name="pl68"/>
+            <p:cNvSpPr/>
+            <p:nvPr/>
+          </p:nvSpPr>
+          <p:spPr>
+            <a:xfrm>
+              <a:off x="7579320" y="5274097"/>
               <a:ext cx="0" cy="34794"/>
             </a:xfrm>
             <a:custGeom>
@@ -5374,9 +5581,9 @@
                 </a:path>
               </a:pathLst>
             </a:custGeom>
-            <a:ln w="6775" cap="flat">
+            <a:ln w="13550" cap="flat">
               <a:solidFill>
-                <a:srgbClr val="B3B3B3">
+                <a:srgbClr val="333333">
                   <a:alpha val="100000"/>
                 </a:srgbClr>
               </a:solidFill>
@@ -5392,13 +5599,13 @@
         </p:sp>
         <p:sp>
           <p:nvSpPr>
-            <p:cNvPr id="60" name="pl60"/>
-            <p:cNvSpPr/>
-            <p:nvPr/>
-          </p:nvSpPr>
-          <p:spPr>
-            <a:xfrm>
-              <a:off x="4266429" y="5638927"/>
+            <p:cNvPr id="69" name="pl69"/>
+            <p:cNvSpPr/>
+            <p:nvPr/>
+          </p:nvSpPr>
+          <p:spPr>
+            <a:xfrm>
+              <a:off x="8101540" y="5274097"/>
               <a:ext cx="0" cy="34794"/>
             </a:xfrm>
             <a:custGeom>
@@ -5414,9 +5621,9 @@
                 </a:path>
               </a:pathLst>
             </a:custGeom>
-            <a:ln w="6775" cap="flat">
+            <a:ln w="13550" cap="flat">
               <a:solidFill>
-                <a:srgbClr val="B3B3B3">
+                <a:srgbClr val="333333">
                   <a:alpha val="100000"/>
                 </a:srgbClr>
               </a:solidFill>
@@ -5432,13 +5639,13 @@
         </p:sp>
         <p:sp>
           <p:nvSpPr>
-            <p:cNvPr id="61" name="pl61"/>
-            <p:cNvSpPr/>
-            <p:nvPr/>
-          </p:nvSpPr>
-          <p:spPr>
-            <a:xfrm>
-              <a:off x="6509309" y="5638927"/>
+            <p:cNvPr id="70" name="pl70"/>
+            <p:cNvSpPr/>
+            <p:nvPr/>
+          </p:nvSpPr>
+          <p:spPr>
+            <a:xfrm>
+              <a:off x="8623760" y="5274097"/>
               <a:ext cx="0" cy="34794"/>
             </a:xfrm>
             <a:custGeom>
@@ -5454,9 +5661,9 @@
                 </a:path>
               </a:pathLst>
             </a:custGeom>
-            <a:ln w="6775" cap="flat">
+            <a:ln w="13550" cap="flat">
               <a:solidFill>
-                <a:srgbClr val="B3B3B3">
+                <a:srgbClr val="333333">
                   <a:alpha val="100000"/>
                 </a:srgbClr>
               </a:solidFill>
@@ -5472,54 +5679,14 @@
         </p:sp>
         <p:sp>
           <p:nvSpPr>
-            <p:cNvPr id="62" name="pl62"/>
-            <p:cNvSpPr/>
-            <p:nvPr/>
-          </p:nvSpPr>
-          <p:spPr>
-            <a:xfrm>
-              <a:off x="8752189" y="5638927"/>
-              <a:ext cx="0" cy="34794"/>
-            </a:xfrm>
-            <a:custGeom>
-              <a:avLst/>
-              <a:pathLst>
-                <a:path w="0" h="34794">
-                  <a:moveTo>
-                    <a:pt x="0" y="34794"/>
-                  </a:moveTo>
-                  <a:lnTo>
-                    <a:pt x="0" y="0"/>
-                  </a:lnTo>
-                </a:path>
-              </a:pathLst>
-            </a:custGeom>
-            <a:ln w="6775" cap="flat">
-              <a:solidFill>
-                <a:srgbClr val="B3B3B3">
-                  <a:alpha val="100000"/>
-                </a:srgbClr>
-              </a:solidFill>
-              <a:prstDash val="solid"/>
-              <a:round/>
-            </a:ln>
-          </p:spPr>
-          <p:txBody>
-            <a:bodyPr/>
-            <a:lstStyle/>
-            <a:p/>
-          </p:txBody>
-        </p:sp>
-        <p:sp>
-          <p:nvSpPr>
-            <p:cNvPr id="63" name="tx63"/>
-            <p:cNvSpPr/>
-            <p:nvPr/>
-          </p:nvSpPr>
-          <p:spPr>
-            <a:xfrm>
-              <a:off x="1992471" y="5699866"/>
-              <a:ext cx="62155" cy="81691"/>
+            <p:cNvPr id="71" name="tx71"/>
+            <p:cNvSpPr/>
+            <p:nvPr/>
+          </p:nvSpPr>
+          <p:spPr>
+            <a:xfrm>
+              <a:off x="1993785" y="5072289"/>
+              <a:ext cx="161528" cy="84311"/>
             </a:xfrm>
             <a:prstGeom prst="rect">
               <a:avLst/>
@@ -5551,21 +5718,21 @@
                   <a:latin typeface="Arial"/>
                   <a:cs typeface="Arial"/>
                 </a:rPr>
-                <a:t>0</a:t>
+                <a:t>0%</a:t>
               </a:r>
             </a:p>
           </p:txBody>
         </p:sp>
         <p:sp>
           <p:nvSpPr>
-            <p:cNvPr id="64" name="tx64"/>
-            <p:cNvSpPr/>
-            <p:nvPr/>
-          </p:nvSpPr>
-          <p:spPr>
-            <a:xfrm>
-              <a:off x="4142118" y="5699866"/>
-              <a:ext cx="248622" cy="81691"/>
+            <p:cNvPr id="72" name="tx72"/>
+            <p:cNvSpPr/>
+            <p:nvPr/>
+          </p:nvSpPr>
+          <p:spPr>
+            <a:xfrm>
+              <a:off x="1931629" y="3945485"/>
+              <a:ext cx="223683" cy="84311"/>
             </a:xfrm>
             <a:prstGeom prst="rect">
               <a:avLst/>
@@ -5597,21 +5764,21 @@
                   <a:latin typeface="Arial"/>
                   <a:cs typeface="Arial"/>
                 </a:rPr>
-                <a:t>1000</a:t>
+                <a:t>20%</a:t>
               </a:r>
             </a:p>
           </p:txBody>
         </p:sp>
         <p:sp>
           <p:nvSpPr>
-            <p:cNvPr id="65" name="tx65"/>
-            <p:cNvSpPr/>
-            <p:nvPr/>
-          </p:nvSpPr>
-          <p:spPr>
-            <a:xfrm>
-              <a:off x="6384998" y="5699866"/>
-              <a:ext cx="248622" cy="81691"/>
+            <p:cNvPr id="73" name="tx73"/>
+            <p:cNvSpPr/>
+            <p:nvPr/>
+          </p:nvSpPr>
+          <p:spPr>
+            <a:xfrm>
+              <a:off x="1931629" y="2818680"/>
+              <a:ext cx="223683" cy="84311"/>
             </a:xfrm>
             <a:prstGeom prst="rect">
               <a:avLst/>
@@ -5643,21 +5810,375 @@
                   <a:latin typeface="Arial"/>
                   <a:cs typeface="Arial"/>
                 </a:rPr>
-                <a:t>2000</a:t>
+                <a:t>40%</a:t>
               </a:r>
             </a:p>
           </p:txBody>
         </p:sp>
         <p:sp>
           <p:nvSpPr>
-            <p:cNvPr id="66" name="tx66"/>
-            <p:cNvSpPr/>
-            <p:nvPr/>
-          </p:nvSpPr>
-          <p:spPr>
-            <a:xfrm>
-              <a:off x="8627878" y="5699811"/>
-              <a:ext cx="248622" cy="81746"/>
+            <p:cNvPr id="74" name="pl74"/>
+            <p:cNvSpPr/>
+            <p:nvPr/>
+          </p:nvSpPr>
+          <p:spPr>
+            <a:xfrm>
+              <a:off x="2183149" y="5116600"/>
+              <a:ext cx="34794" cy="0"/>
+            </a:xfrm>
+            <a:custGeom>
+              <a:avLst/>
+              <a:pathLst>
+                <a:path w="34794" h="0">
+                  <a:moveTo>
+                    <a:pt x="0" y="0"/>
+                  </a:moveTo>
+                  <a:lnTo>
+                    <a:pt x="34794" y="0"/>
+                  </a:lnTo>
+                </a:path>
+              </a:pathLst>
+            </a:custGeom>
+            <a:ln w="13550" cap="flat">
+              <a:solidFill>
+                <a:srgbClr val="333333">
+                  <a:alpha val="100000"/>
+                </a:srgbClr>
+              </a:solidFill>
+              <a:prstDash val="solid"/>
+              <a:round/>
+            </a:ln>
+          </p:spPr>
+          <p:txBody>
+            <a:bodyPr/>
+            <a:lstStyle/>
+            <a:p/>
+          </p:txBody>
+        </p:sp>
+        <p:sp>
+          <p:nvSpPr>
+            <p:cNvPr id="75" name="pl75"/>
+            <p:cNvSpPr/>
+            <p:nvPr/>
+          </p:nvSpPr>
+          <p:spPr>
+            <a:xfrm>
+              <a:off x="2183149" y="3989796"/>
+              <a:ext cx="34794" cy="0"/>
+            </a:xfrm>
+            <a:custGeom>
+              <a:avLst/>
+              <a:pathLst>
+                <a:path w="34794" h="0">
+                  <a:moveTo>
+                    <a:pt x="0" y="0"/>
+                  </a:moveTo>
+                  <a:lnTo>
+                    <a:pt x="34794" y="0"/>
+                  </a:lnTo>
+                </a:path>
+              </a:pathLst>
+            </a:custGeom>
+            <a:ln w="13550" cap="flat">
+              <a:solidFill>
+                <a:srgbClr val="333333">
+                  <a:alpha val="100000"/>
+                </a:srgbClr>
+              </a:solidFill>
+              <a:prstDash val="solid"/>
+              <a:round/>
+            </a:ln>
+          </p:spPr>
+          <p:txBody>
+            <a:bodyPr/>
+            <a:lstStyle/>
+            <a:p/>
+          </p:txBody>
+        </p:sp>
+        <p:sp>
+          <p:nvSpPr>
+            <p:cNvPr id="76" name="pl76"/>
+            <p:cNvSpPr/>
+            <p:nvPr/>
+          </p:nvSpPr>
+          <p:spPr>
+            <a:xfrm>
+              <a:off x="2183149" y="2862991"/>
+              <a:ext cx="34794" cy="0"/>
+            </a:xfrm>
+            <a:custGeom>
+              <a:avLst/>
+              <a:pathLst>
+                <a:path w="34794" h="0">
+                  <a:moveTo>
+                    <a:pt x="0" y="0"/>
+                  </a:moveTo>
+                  <a:lnTo>
+                    <a:pt x="34794" y="0"/>
+                  </a:lnTo>
+                </a:path>
+              </a:pathLst>
+            </a:custGeom>
+            <a:ln w="13550" cap="flat">
+              <a:solidFill>
+                <a:srgbClr val="333333">
+                  <a:alpha val="100000"/>
+                </a:srgbClr>
+              </a:solidFill>
+              <a:prstDash val="solid"/>
+              <a:round/>
+            </a:ln>
+          </p:spPr>
+          <p:txBody>
+            <a:bodyPr/>
+            <a:lstStyle/>
+            <a:p/>
+          </p:txBody>
+        </p:sp>
+        <p:sp>
+          <p:nvSpPr>
+            <p:cNvPr id="77" name="rc77"/>
+            <p:cNvSpPr/>
+            <p:nvPr/>
+          </p:nvSpPr>
+          <p:spPr>
+            <a:xfrm>
+              <a:off x="4134464" y="5613598"/>
+              <a:ext cx="2886107" cy="358634"/>
+            </a:xfrm>
+            <a:prstGeom prst="rect">
+              <a:avLst/>
+            </a:prstGeom>
+            <a:solidFill>
+              <a:srgbClr val="FFFFFF">
+                <a:alpha val="100000"/>
+              </a:srgbClr>
+            </a:solidFill>
+          </p:spPr>
+          <p:txBody>
+            <a:bodyPr/>
+            <a:lstStyle/>
+            <a:p/>
+          </p:txBody>
+        </p:sp>
+        <p:sp>
+          <p:nvSpPr>
+            <p:cNvPr id="78" name="rc78"/>
+            <p:cNvSpPr/>
+            <p:nvPr/>
+          </p:nvSpPr>
+          <p:spPr>
+            <a:xfrm>
+              <a:off x="4273642" y="5683187"/>
+              <a:ext cx="219456" cy="219455"/>
+            </a:xfrm>
+            <a:prstGeom prst="rect">
+              <a:avLst/>
+            </a:prstGeom>
+            <a:solidFill>
+              <a:srgbClr val="FFFFFF">
+                <a:alpha val="100000"/>
+              </a:srgbClr>
+            </a:solidFill>
+          </p:spPr>
+          <p:txBody>
+            <a:bodyPr/>
+            <a:lstStyle/>
+            <a:p/>
+          </p:txBody>
+        </p:sp>
+        <p:sp>
+          <p:nvSpPr>
+            <p:cNvPr id="79" name="rc79"/>
+            <p:cNvSpPr/>
+            <p:nvPr/>
+          </p:nvSpPr>
+          <p:spPr>
+            <a:xfrm>
+              <a:off x="4282642" y="5692187"/>
+              <a:ext cx="201455" cy="201456"/>
+            </a:xfrm>
+            <a:prstGeom prst="rect">
+              <a:avLst/>
+            </a:prstGeom>
+            <a:solidFill>
+              <a:srgbClr val="FEE5D9">
+                <a:alpha val="100000"/>
+              </a:srgbClr>
+            </a:solidFill>
+          </p:spPr>
+          <p:txBody>
+            <a:bodyPr/>
+            <a:lstStyle/>
+            <a:p/>
+          </p:txBody>
+        </p:sp>
+        <p:sp>
+          <p:nvSpPr>
+            <p:cNvPr id="80" name="rc80"/>
+            <p:cNvSpPr/>
+            <p:nvPr/>
+          </p:nvSpPr>
+          <p:spPr>
+            <a:xfrm>
+              <a:off x="5013581" y="5683187"/>
+              <a:ext cx="219455" cy="219455"/>
+            </a:xfrm>
+            <a:prstGeom prst="rect">
+              <a:avLst/>
+            </a:prstGeom>
+            <a:solidFill>
+              <a:srgbClr val="FFFFFF">
+                <a:alpha val="100000"/>
+              </a:srgbClr>
+            </a:solidFill>
+          </p:spPr>
+          <p:txBody>
+            <a:bodyPr/>
+            <a:lstStyle/>
+            <a:p/>
+          </p:txBody>
+        </p:sp>
+        <p:sp>
+          <p:nvSpPr>
+            <p:cNvPr id="81" name="rc81"/>
+            <p:cNvSpPr/>
+            <p:nvPr/>
+          </p:nvSpPr>
+          <p:spPr>
+            <a:xfrm>
+              <a:off x="5022581" y="5692187"/>
+              <a:ext cx="201456" cy="201456"/>
+            </a:xfrm>
+            <a:prstGeom prst="rect">
+              <a:avLst/>
+            </a:prstGeom>
+            <a:solidFill>
+              <a:srgbClr val="FCAE91">
+                <a:alpha val="100000"/>
+              </a:srgbClr>
+            </a:solidFill>
+          </p:spPr>
+          <p:txBody>
+            <a:bodyPr/>
+            <a:lstStyle/>
+            <a:p/>
+          </p:txBody>
+        </p:sp>
+        <p:sp>
+          <p:nvSpPr>
+            <p:cNvPr id="82" name="rc82"/>
+            <p:cNvSpPr/>
+            <p:nvPr/>
+          </p:nvSpPr>
+          <p:spPr>
+            <a:xfrm>
+              <a:off x="5661394" y="5683187"/>
+              <a:ext cx="219455" cy="219455"/>
+            </a:xfrm>
+            <a:prstGeom prst="rect">
+              <a:avLst/>
+            </a:prstGeom>
+            <a:solidFill>
+              <a:srgbClr val="FFFFFF">
+                <a:alpha val="100000"/>
+              </a:srgbClr>
+            </a:solidFill>
+          </p:spPr>
+          <p:txBody>
+            <a:bodyPr/>
+            <a:lstStyle/>
+            <a:p/>
+          </p:txBody>
+        </p:sp>
+        <p:sp>
+          <p:nvSpPr>
+            <p:cNvPr id="83" name="rc83"/>
+            <p:cNvSpPr/>
+            <p:nvPr/>
+          </p:nvSpPr>
+          <p:spPr>
+            <a:xfrm>
+              <a:off x="5670394" y="5692187"/>
+              <a:ext cx="201456" cy="201456"/>
+            </a:xfrm>
+            <a:prstGeom prst="rect">
+              <a:avLst/>
+            </a:prstGeom>
+            <a:solidFill>
+              <a:srgbClr val="FB6A4A">
+                <a:alpha val="100000"/>
+              </a:srgbClr>
+            </a:solidFill>
+          </p:spPr>
+          <p:txBody>
+            <a:bodyPr/>
+            <a:lstStyle/>
+            <a:p/>
+          </p:txBody>
+        </p:sp>
+        <p:sp>
+          <p:nvSpPr>
+            <p:cNvPr id="84" name="rc84"/>
+            <p:cNvSpPr/>
+            <p:nvPr/>
+          </p:nvSpPr>
+          <p:spPr>
+            <a:xfrm>
+              <a:off x="6372758" y="5683187"/>
+              <a:ext cx="219456" cy="219455"/>
+            </a:xfrm>
+            <a:prstGeom prst="rect">
+              <a:avLst/>
+            </a:prstGeom>
+            <a:solidFill>
+              <a:srgbClr val="FFFFFF">
+                <a:alpha val="100000"/>
+              </a:srgbClr>
+            </a:solidFill>
+          </p:spPr>
+          <p:txBody>
+            <a:bodyPr/>
+            <a:lstStyle/>
+            <a:p/>
+          </p:txBody>
+        </p:sp>
+        <p:sp>
+          <p:nvSpPr>
+            <p:cNvPr id="85" name="rc85"/>
+            <p:cNvSpPr/>
+            <p:nvPr/>
+          </p:nvSpPr>
+          <p:spPr>
+            <a:xfrm>
+              <a:off x="6381758" y="5692187"/>
+              <a:ext cx="201456" cy="201456"/>
+            </a:xfrm>
+            <a:prstGeom prst="rect">
+              <a:avLst/>
+            </a:prstGeom>
+            <a:solidFill>
+              <a:srgbClr val="CB181D">
+                <a:alpha val="100000"/>
+              </a:srgbClr>
+            </a:solidFill>
+          </p:spPr>
+          <p:txBody>
+            <a:bodyPr/>
+            <a:lstStyle/>
+            <a:p/>
+          </p:txBody>
+        </p:sp>
+        <p:sp>
+          <p:nvSpPr>
+            <p:cNvPr id="86" name="tx86"/>
+            <p:cNvSpPr/>
+            <p:nvPr/>
+          </p:nvSpPr>
+          <p:spPr>
+            <a:xfrm>
+              <a:off x="4562687" y="5763065"/>
+              <a:ext cx="335280" cy="69850"/>
             </a:xfrm>
             <a:prstGeom prst="rect">
               <a:avLst/>
@@ -5682,14 +6203,152 @@
               <a:r>
                 <a:rPr sz="880">
                   <a:solidFill>
-                    <a:srgbClr val="4D4D4D">
+                    <a:srgbClr val="000000">
                       <a:alpha val="100000"/>
                     </a:srgbClr>
                   </a:solidFill>
                   <a:latin typeface="Arial"/>
                   <a:cs typeface="Arial"/>
                 </a:rPr>
-                <a:t>3000</a:t>
+                <a:t>单一菌株</a:t>
+              </a:r>
+            </a:p>
+          </p:txBody>
+        </p:sp>
+        <p:sp>
+          <p:nvSpPr>
+            <p:cNvPr id="87" name="tx87"/>
+            <p:cNvSpPr/>
+            <p:nvPr/>
+          </p:nvSpPr>
+          <p:spPr>
+            <a:xfrm>
+              <a:off x="5302626" y="5751223"/>
+              <a:ext cx="245348" cy="81691"/>
+            </a:xfrm>
+            <a:prstGeom prst="rect">
+              <a:avLst/>
+            </a:prstGeom>
+            <a:noFill/>
+          </p:spPr>
+          <p:txBody>
+            <a:bodyPr lIns="0" rIns="0" tIns="0" bIns="0" anchorCtr="1" anchor="ctr" wrap="none"/>
+            <a:lstStyle/>
+            <a:p>
+              <a:pPr algn="l" marL="0" marR="0" indent="0">
+                <a:lnSpc>
+                  <a:spcPts val="880"/>
+                </a:lnSpc>
+                <a:spcBef>
+                  <a:spcPts val="0"/>
+                </a:spcBef>
+                <a:spcAft>
+                  <a:spcPts val="0"/>
+                </a:spcAft>
+              </a:pPr>
+              <a:r>
+                <a:rPr sz="880">
+                  <a:solidFill>
+                    <a:srgbClr val="000000">
+                      <a:alpha val="100000"/>
+                    </a:srgbClr>
+                  </a:solidFill>
+                  <a:latin typeface="Arial"/>
+                  <a:cs typeface="Arial"/>
+                </a:rPr>
+                <a:t>2-5个</a:t>
+              </a:r>
+            </a:p>
+          </p:txBody>
+        </p:sp>
+        <p:sp>
+          <p:nvSpPr>
+            <p:cNvPr id="88" name="tx88"/>
+            <p:cNvSpPr/>
+            <p:nvPr/>
+          </p:nvSpPr>
+          <p:spPr>
+            <a:xfrm>
+              <a:off x="5950439" y="5751223"/>
+              <a:ext cx="307503" cy="81691"/>
+            </a:xfrm>
+            <a:prstGeom prst="rect">
+              <a:avLst/>
+            </a:prstGeom>
+            <a:noFill/>
+          </p:spPr>
+          <p:txBody>
+            <a:bodyPr lIns="0" rIns="0" tIns="0" bIns="0" anchorCtr="1" anchor="ctr" wrap="none"/>
+            <a:lstStyle/>
+            <a:p>
+              <a:pPr algn="l" marL="0" marR="0" indent="0">
+                <a:lnSpc>
+                  <a:spcPts val="880"/>
+                </a:lnSpc>
+                <a:spcBef>
+                  <a:spcPts val="0"/>
+                </a:spcBef>
+                <a:spcAft>
+                  <a:spcPts val="0"/>
+                </a:spcAft>
+              </a:pPr>
+              <a:r>
+                <a:rPr sz="880">
+                  <a:solidFill>
+                    <a:srgbClr val="000000">
+                      <a:alpha val="100000"/>
+                    </a:srgbClr>
+                  </a:solidFill>
+                  <a:latin typeface="Arial"/>
+                  <a:cs typeface="Arial"/>
+                </a:rPr>
+                <a:t>6-10个</a:t>
+              </a:r>
+            </a:p>
+          </p:txBody>
+        </p:sp>
+        <p:sp>
+          <p:nvSpPr>
+            <p:cNvPr id="89" name="tx89"/>
+            <p:cNvSpPr/>
+            <p:nvPr/>
+          </p:nvSpPr>
+          <p:spPr>
+            <a:xfrm>
+              <a:off x="6661803" y="5751223"/>
+              <a:ext cx="269468" cy="81691"/>
+            </a:xfrm>
+            <a:prstGeom prst="rect">
+              <a:avLst/>
+            </a:prstGeom>
+            <a:noFill/>
+          </p:spPr>
+          <p:txBody>
+            <a:bodyPr lIns="0" rIns="0" tIns="0" bIns="0" anchorCtr="1" anchor="ctr" wrap="none"/>
+            <a:lstStyle/>
+            <a:p>
+              <a:pPr algn="l" marL="0" marR="0" indent="0">
+                <a:lnSpc>
+                  <a:spcPts val="880"/>
+                </a:lnSpc>
+                <a:spcBef>
+                  <a:spcPts val="0"/>
+                </a:spcBef>
+                <a:spcAft>
+                  <a:spcPts val="0"/>
+                </a:spcAft>
+              </a:pPr>
+              <a:r>
+                <a:rPr sz="880">
+                  <a:solidFill>
+                    <a:srgbClr val="000000">
+                      <a:alpha val="100000"/>
+                    </a:srgbClr>
+                  </a:solidFill>
+                  <a:latin typeface="Arial"/>
+                  <a:cs typeface="Arial"/>
+                </a:rPr>
+                <a:t>≥10个</a:t>
               </a:r>
             </a:p>
           </p:txBody>
